--- a/consumption/presentationJun2022.pptx
+++ b/consumption/presentationJun2022.pptx
@@ -6,47 +6,52 @@
     <p:sldMasterId id="2147483840" r:id="rId2"/>
   </p:sldMasterIdLst>
   <p:notesMasterIdLst>
-    <p:notesMasterId r:id="rId7"/>
+    <p:notesMasterId r:id="rId8"/>
   </p:notesMasterIdLst>
   <p:handoutMasterIdLst>
-    <p:handoutMasterId r:id="rId8"/>
+    <p:handoutMasterId r:id="rId9"/>
   </p:handoutMasterIdLst>
   <p:sldIdLst>
     <p:sldId id="301" r:id="rId3"/>
     <p:sldId id="302" r:id="rId4"/>
     <p:sldId id="304" r:id="rId5"/>
-    <p:sldId id="303" r:id="rId6"/>
+    <p:sldId id="305" r:id="rId6"/>
+    <p:sldId id="303" r:id="rId7"/>
   </p:sldIdLst>
   <p:sldSz cx="9144000" cy="5143500" type="screen16x9"/>
   <p:notesSz cx="6718300" cy="9867900"/>
   <p:embeddedFontLst>
     <p:embeddedFont>
       <p:font typeface="Calibri" panose="020F0502020204030204" pitchFamily="34" charset="0"/>
-      <p:regular r:id="rId9"/>
-      <p:bold r:id="rId10"/>
-      <p:italic r:id="rId11"/>
-      <p:boldItalic r:id="rId12"/>
+      <p:regular r:id="rId10"/>
+      <p:bold r:id="rId11"/>
+      <p:italic r:id="rId12"/>
+      <p:boldItalic r:id="rId13"/>
     </p:embeddedFont>
     <p:embeddedFont>
       <p:font typeface="Calibri Light" panose="020F0302020204030204" pitchFamily="34" charset="0"/>
-      <p:regular r:id="rId13"/>
-      <p:italic r:id="rId14"/>
+      <p:regular r:id="rId14"/>
+      <p:italic r:id="rId15"/>
+    </p:embeddedFont>
+    <p:embeddedFont>
+      <p:font typeface="Cambria Math" panose="02040503050406030204" pitchFamily="18" charset="0"/>
+      <p:regular r:id="rId16"/>
     </p:embeddedFont>
     <p:embeddedFont>
       <p:font typeface="Effra" panose="020B0604020202020204" charset="0"/>
-      <p:regular r:id="rId15"/>
-      <p:bold r:id="rId16"/>
-      <p:italic r:id="rId17"/>
-      <p:boldItalic r:id="rId18"/>
+      <p:regular r:id="rId17"/>
+      <p:bold r:id="rId18"/>
+      <p:italic r:id="rId19"/>
+      <p:boldItalic r:id="rId20"/>
     </p:embeddedFont>
     <p:embeddedFont>
       <p:font typeface="Effra Bold" panose="020B0604020202020204" charset="0"/>
-      <p:bold r:id="rId19"/>
+      <p:bold r:id="rId21"/>
     </p:embeddedFont>
     <p:embeddedFont>
       <p:font typeface="Effra Light" panose="020B0604020202020204" charset="0"/>
-      <p:regular r:id="rId20"/>
-      <p:italic r:id="rId21"/>
+      <p:regular r:id="rId22"/>
+      <p:italic r:id="rId23"/>
     </p:embeddedFont>
   </p:embeddedFontLst>
   <p:defaultTextStyle>
@@ -16938,45 +16943,49 @@
           <a:lstStyle/>
           <a:p>
             <a:r>
-              <a:rPr lang="en-US" dirty="0"/>
+              <a:rPr lang="en-US"/>
               <a:t>Status Competitions </a:t>
             </a:r>
             <a:br>
-              <a:rPr lang="en-US" dirty="0"/>
+              <a:rPr lang="en-US"/>
             </a:br>
             <a:r>
-              <a:rPr lang="en-US" dirty="0"/>
+              <a:rPr lang="en-US"/>
               <a:t>as a game of uncertainty</a:t>
             </a:r>
             <a:endParaRPr lang="en-GB" dirty="0"/>
           </a:p>
         </p:txBody>
       </p:sp>
-      <p:sp>
-        <p:nvSpPr>
-          <p:cNvPr id="3" name="Content Placeholder 2">
+      <p:pic>
+        <p:nvPicPr>
+          <p:cNvPr id="6" name="Content Placeholder 5">
             <a:extLst>
               <a:ext uri="{FF2B5EF4-FFF2-40B4-BE49-F238E27FC236}">
-                <a16:creationId xmlns:a16="http://schemas.microsoft.com/office/drawing/2014/main" id="{9448FAC7-5457-0C22-FB8F-1A7EF3BCADB6}"/>
+                <a16:creationId xmlns:a16="http://schemas.microsoft.com/office/drawing/2014/main" id="{4029D2AA-F8BC-E3BC-6A16-49E905730CBB}"/>
               </a:ext>
             </a:extLst>
           </p:cNvPr>
-          <p:cNvSpPr>
-            <a:spLocks noGrp="1"/>
-          </p:cNvSpPr>
+          <p:cNvPicPr>
+            <a:picLocks noGrp="1" noChangeAspect="1"/>
+          </p:cNvPicPr>
           <p:nvPr>
             <p:ph idx="1"/>
           </p:nvPr>
-        </p:nvSpPr>
-        <p:spPr/>
-        <p:txBody>
-          <a:bodyPr/>
-          <a:lstStyle/>
-          <a:p>
-            <a:endParaRPr lang="en-GB" dirty="0"/>
-          </a:p>
-        </p:txBody>
-      </p:sp>
+        </p:nvPicPr>
+        <p:blipFill>
+          <a:blip r:embed="rId2"/>
+          <a:stretch>
+            <a:fillRect/>
+          </a:stretch>
+        </p:blipFill>
+        <p:spPr>
+          <a:xfrm>
+            <a:off x="5715000" y="1428750"/>
+            <a:ext cx="2209800" cy="2433872"/>
+          </a:xfrm>
+        </p:spPr>
+      </p:pic>
       <p:sp>
         <p:nvSpPr>
           <p:cNvPr id="4" name="Slide Number Placeholder 3">
@@ -17012,6 +17021,745 @@
           </a:p>
         </p:txBody>
       </p:sp>
+      <mc:AlternateContent xmlns:mc="http://schemas.openxmlformats.org/markup-compatibility/2006">
+        <mc:Choice xmlns:a14="http://schemas.microsoft.com/office/drawing/2010/main" Requires="a14">
+          <p:sp>
+            <p:nvSpPr>
+              <p:cNvPr id="7" name="TextBox 6">
+                <a:extLst>
+                  <a:ext uri="{FF2B5EF4-FFF2-40B4-BE49-F238E27FC236}">
+                    <a16:creationId xmlns:a16="http://schemas.microsoft.com/office/drawing/2014/main" id="{52EDB316-70AD-FB12-8A47-0FB9CAE78555}"/>
+                  </a:ext>
+                </a:extLst>
+              </p:cNvPr>
+              <p:cNvSpPr txBox="1"/>
+              <p:nvPr/>
+            </p:nvSpPr>
+            <p:spPr>
+              <a:xfrm>
+                <a:off x="559904" y="1268844"/>
+                <a:ext cx="4038600" cy="3539430"/>
+              </a:xfrm>
+              <a:prstGeom prst="rect">
+                <a:avLst/>
+              </a:prstGeom>
+              <a:noFill/>
+            </p:spPr>
+            <p:txBody>
+              <a:bodyPr wrap="square" rtlCol="0">
+                <a:spAutoFit/>
+              </a:bodyPr>
+              <a:lstStyle/>
+              <a:p>
+                <a:pPr marL="342900" indent="-342900">
+                  <a:buFont typeface="Arial" panose="020B0604020202020204" pitchFamily="34" charset="0"/>
+                  <a:buChar char="•"/>
+                </a:pPr>
+                <a:r>
+                  <a:rPr lang="en-US" sz="1600" dirty="0">
+                    <a:latin typeface="+mn-lt"/>
+                  </a:rPr>
+                  <a:t>Let’s assume an economy with </a:t>
+                </a:r>
+                <a14:m>
+                  <m:oMath xmlns:m="http://schemas.openxmlformats.org/officeDocument/2006/math">
+                    <m:r>
+                      <a:rPr lang="en-US" sz="1600" b="0" i="1" smtClean="0">
+                        <a:latin typeface="+mn-lt"/>
+                      </a:rPr>
+                      <m:t>𝑛</m:t>
+                    </m:r>
+                    <m:r>
+                      <a:rPr lang="en-US" sz="1600" i="1">
+                        <a:latin typeface="+mn-lt"/>
+                      </a:rPr>
+                      <m:t> </m:t>
+                    </m:r>
+                  </m:oMath>
+                </a14:m>
+                <a:r>
+                  <a:rPr lang="en-US" sz="1600" dirty="0">
+                    <a:latin typeface="+mn-lt"/>
+                  </a:rPr>
+                  <a:t>multiple income bands with disposable incomes </a:t>
+                </a:r>
+                <a14:m>
+                  <m:oMath xmlns:m="http://schemas.openxmlformats.org/officeDocument/2006/math">
+                    <m:sSub>
+                      <m:sSubPr>
+                        <m:ctrlPr>
+                          <a:rPr lang="en-US" sz="1600" b="0" i="1" smtClean="0">
+                            <a:latin typeface="+mn-lt"/>
+                          </a:rPr>
+                        </m:ctrlPr>
+                      </m:sSubPr>
+                      <m:e>
+                        <m:r>
+                          <a:rPr lang="en-US" sz="1600" b="0" i="1" smtClean="0">
+                            <a:latin typeface="+mn-lt"/>
+                          </a:rPr>
+                          <m:t>𝑦</m:t>
+                        </m:r>
+                      </m:e>
+                      <m:sub>
+                        <m:r>
+                          <a:rPr lang="en-US" sz="1600" b="0" i="1" smtClean="0">
+                            <a:latin typeface="+mn-lt"/>
+                          </a:rPr>
+                          <m:t>1</m:t>
+                        </m:r>
+                      </m:sub>
+                    </m:sSub>
+                    <m:r>
+                      <a:rPr lang="en-US" sz="1600" b="0" i="1" smtClean="0">
+                        <a:latin typeface="+mn-lt"/>
+                      </a:rPr>
+                      <m:t>,</m:t>
+                    </m:r>
+                    <m:sSub>
+                      <m:sSubPr>
+                        <m:ctrlPr>
+                          <a:rPr lang="en-US" sz="1600" b="0" i="1" smtClean="0">
+                            <a:latin typeface="+mn-lt"/>
+                          </a:rPr>
+                        </m:ctrlPr>
+                      </m:sSubPr>
+                      <m:e>
+                        <m:r>
+                          <a:rPr lang="en-US" sz="1600" b="0" i="1" smtClean="0">
+                            <a:latin typeface="+mn-lt"/>
+                          </a:rPr>
+                          <m:t>𝑦</m:t>
+                        </m:r>
+                      </m:e>
+                      <m:sub>
+                        <m:r>
+                          <a:rPr lang="en-US" sz="1600" b="0" i="1" smtClean="0">
+                            <a:latin typeface="+mn-lt"/>
+                          </a:rPr>
+                          <m:t>2</m:t>
+                        </m:r>
+                      </m:sub>
+                    </m:sSub>
+                    <m:r>
+                      <a:rPr lang="en-US" sz="1600" b="0" i="1" smtClean="0">
+                        <a:latin typeface="+mn-lt"/>
+                      </a:rPr>
+                      <m:t>,…</m:t>
+                    </m:r>
+                  </m:oMath>
+                </a14:m>
+                <a:r>
+                  <a:rPr lang="en-US" sz="1600" dirty="0">
+                    <a:latin typeface="+mn-lt"/>
+                  </a:rPr>
+                  <a:t> so that </a:t>
+                </a:r>
+                <a14:m>
+                  <m:oMath xmlns:m="http://schemas.openxmlformats.org/officeDocument/2006/math">
+                    <m:sSub>
+                      <m:sSubPr>
+                        <m:ctrlPr>
+                          <a:rPr lang="en-US" sz="1600" i="1">
+                            <a:latin typeface="+mn-lt"/>
+                          </a:rPr>
+                        </m:ctrlPr>
+                      </m:sSubPr>
+                      <m:e>
+                        <m:r>
+                          <a:rPr lang="en-US" sz="1600" i="1">
+                            <a:latin typeface="+mn-lt"/>
+                          </a:rPr>
+                          <m:t>𝑦</m:t>
+                        </m:r>
+                      </m:e>
+                      <m:sub>
+                        <m:r>
+                          <a:rPr lang="en-US" sz="1600" i="1">
+                            <a:latin typeface="+mn-lt"/>
+                          </a:rPr>
+                          <m:t>1</m:t>
+                        </m:r>
+                      </m:sub>
+                    </m:sSub>
+                    <m:r>
+                      <a:rPr lang="en-US" sz="1600" b="0" i="1" smtClean="0">
+                        <a:latin typeface="+mn-lt"/>
+                      </a:rPr>
+                      <m:t>&lt;</m:t>
+                    </m:r>
+                    <m:sSub>
+                      <m:sSubPr>
+                        <m:ctrlPr>
+                          <a:rPr lang="en-US" sz="1600" i="1">
+                            <a:latin typeface="+mn-lt"/>
+                          </a:rPr>
+                        </m:ctrlPr>
+                      </m:sSubPr>
+                      <m:e>
+                        <m:r>
+                          <a:rPr lang="en-US" sz="1600" i="1">
+                            <a:latin typeface="+mn-lt"/>
+                          </a:rPr>
+                          <m:t>𝑦</m:t>
+                        </m:r>
+                      </m:e>
+                      <m:sub>
+                        <m:r>
+                          <a:rPr lang="en-US" sz="1600" i="1">
+                            <a:latin typeface="+mn-lt"/>
+                          </a:rPr>
+                          <m:t>2</m:t>
+                        </m:r>
+                      </m:sub>
+                    </m:sSub>
+                    <m:r>
+                      <a:rPr lang="en-US" sz="1600" b="0" i="1" smtClean="0">
+                        <a:latin typeface="+mn-lt"/>
+                      </a:rPr>
+                      <m:t>&lt;…&lt;</m:t>
+                    </m:r>
+                    <m:sSub>
+                      <m:sSubPr>
+                        <m:ctrlPr>
+                          <a:rPr lang="en-US" sz="1600" b="0" i="1" smtClean="0">
+                            <a:latin typeface="+mn-lt"/>
+                          </a:rPr>
+                        </m:ctrlPr>
+                      </m:sSubPr>
+                      <m:e>
+                        <m:r>
+                          <a:rPr lang="en-US" sz="1600" b="0" i="1" smtClean="0">
+                            <a:latin typeface="+mn-lt"/>
+                          </a:rPr>
+                          <m:t>𝑦</m:t>
+                        </m:r>
+                      </m:e>
+                      <m:sub>
+                        <m:r>
+                          <a:rPr lang="en-US" sz="1600" b="0" i="1" smtClean="0">
+                            <a:latin typeface="+mn-lt"/>
+                          </a:rPr>
+                          <m:t>𝑛</m:t>
+                        </m:r>
+                      </m:sub>
+                    </m:sSub>
+                  </m:oMath>
+                </a14:m>
+                <a:r>
+                  <a:rPr lang="en-US" sz="1600" dirty="0">
+                    <a:latin typeface="+mn-lt"/>
+                  </a:rPr>
+                  <a:t> </a:t>
+                </a:r>
+              </a:p>
+              <a:p>
+                <a:pPr marL="342900" indent="-342900">
+                  <a:buFont typeface="Arial" panose="020B0604020202020204" pitchFamily="34" charset="0"/>
+                  <a:buChar char="•"/>
+                </a:pPr>
+                <a:r>
+                  <a:rPr lang="en-US" sz="1600" dirty="0">
+                    <a:latin typeface="+mn-lt"/>
+                  </a:rPr>
+                  <a:t>Assume </a:t>
+                </a:r>
+                <a14:m>
+                  <m:oMath xmlns:m="http://schemas.openxmlformats.org/officeDocument/2006/math">
+                    <m:r>
+                      <a:rPr lang="en-US" sz="1600" b="0" i="1" smtClean="0">
+                        <a:latin typeface="+mn-lt"/>
+                      </a:rPr>
+                      <m:t>𝜈</m:t>
+                    </m:r>
+                    <m:r>
+                      <a:rPr lang="en-US" sz="1600" b="0" i="1" smtClean="0">
+                        <a:latin typeface="+mn-lt"/>
+                      </a:rPr>
+                      <m:t> </m:t>
+                    </m:r>
+                  </m:oMath>
+                </a14:m>
+                <a:r>
+                  <a:rPr lang="en-US" sz="1600" dirty="0">
+                    <a:latin typeface="+mn-lt"/>
+                  </a:rPr>
+                  <a:t>as the expenditure towards the uncertain gain </a:t>
+                </a:r>
+              </a:p>
+              <a:p>
+                <a:pPr marL="342900" indent="-342900">
+                  <a:buFont typeface="Arial" panose="020B0604020202020204" pitchFamily="34" charset="0"/>
+                  <a:buChar char="•"/>
+                </a:pPr>
+                <a:r>
+                  <a:rPr lang="en-US" sz="1600" dirty="0">
+                    <a:latin typeface="+mn-lt"/>
+                  </a:rPr>
+                  <a:t>The gain is the promotion to a band with higher disposable income ( a better job, social rank) with probabilities </a:t>
+                </a:r>
+                <a14:m>
+                  <m:oMath xmlns:m="http://schemas.openxmlformats.org/officeDocument/2006/math">
+                    <m:sSub>
+                      <m:sSubPr>
+                        <m:ctrlPr>
+                          <a:rPr lang="en-US" sz="1600" b="0" i="1" smtClean="0">
+                            <a:latin typeface="+mn-lt"/>
+                          </a:rPr>
+                        </m:ctrlPr>
+                      </m:sSubPr>
+                      <m:e>
+                        <m:r>
+                          <a:rPr lang="en-US" sz="1600" b="0" i="1" smtClean="0">
+                            <a:latin typeface="+mn-lt"/>
+                          </a:rPr>
+                          <m:t>𝑊</m:t>
+                        </m:r>
+                      </m:e>
+                      <m:sub>
+                        <m:r>
+                          <a:rPr lang="en-US" sz="1600" b="0" i="1" smtClean="0">
+                            <a:latin typeface="+mn-lt"/>
+                          </a:rPr>
+                          <m:t>1</m:t>
+                        </m:r>
+                      </m:sub>
+                    </m:sSub>
+                    <m:d>
+                      <m:dPr>
+                        <m:ctrlPr>
+                          <a:rPr lang="en-US" sz="1600" b="0" i="1" smtClean="0">
+                            <a:latin typeface="+mn-lt"/>
+                          </a:rPr>
+                        </m:ctrlPr>
+                      </m:dPr>
+                      <m:e>
+                        <m:r>
+                          <a:rPr lang="en-US" sz="1600" b="0" i="1" smtClean="0">
+                            <a:latin typeface="+mn-lt"/>
+                          </a:rPr>
+                          <m:t>𝜈</m:t>
+                        </m:r>
+                      </m:e>
+                    </m:d>
+                    <m:r>
+                      <a:rPr lang="en-US" sz="1600" b="0" i="1" smtClean="0">
+                        <a:latin typeface="+mn-lt"/>
+                      </a:rPr>
+                      <m:t>,</m:t>
+                    </m:r>
+                    <m:sSub>
+                      <m:sSubPr>
+                        <m:ctrlPr>
+                          <a:rPr lang="en-US" sz="1600" b="0" i="1" smtClean="0">
+                            <a:latin typeface="+mn-lt"/>
+                          </a:rPr>
+                        </m:ctrlPr>
+                      </m:sSubPr>
+                      <m:e>
+                        <m:r>
+                          <a:rPr lang="en-US" sz="1600" b="0" i="1" smtClean="0">
+                            <a:latin typeface="+mn-lt"/>
+                          </a:rPr>
+                          <m:t>𝑊</m:t>
+                        </m:r>
+                      </m:e>
+                      <m:sub>
+                        <m:r>
+                          <a:rPr lang="en-US" sz="1600" b="0" i="1" smtClean="0">
+                            <a:latin typeface="+mn-lt"/>
+                          </a:rPr>
+                          <m:t>2</m:t>
+                        </m:r>
+                      </m:sub>
+                    </m:sSub>
+                    <m:d>
+                      <m:dPr>
+                        <m:ctrlPr>
+                          <a:rPr lang="en-US" sz="1600" b="0" i="1" smtClean="0">
+                            <a:latin typeface="+mn-lt"/>
+                          </a:rPr>
+                        </m:ctrlPr>
+                      </m:dPr>
+                      <m:e>
+                        <m:r>
+                          <a:rPr lang="en-US" sz="1600" b="0" i="1" smtClean="0">
+                            <a:latin typeface="+mn-lt"/>
+                          </a:rPr>
+                          <m:t>𝜈</m:t>
+                        </m:r>
+                      </m:e>
+                    </m:d>
+                    <m:r>
+                      <a:rPr lang="en-US" sz="1600" b="0" i="1" smtClean="0">
+                        <a:latin typeface="+mn-lt"/>
+                      </a:rPr>
+                      <m:t>…</m:t>
+                    </m:r>
+                  </m:oMath>
+                </a14:m>
+                <a:endParaRPr lang="en-US" sz="1600" dirty="0">
+                  <a:latin typeface="+mn-lt"/>
+                </a:endParaRPr>
+              </a:p>
+              <a:p>
+                <a:pPr marL="342900" indent="-342900">
+                  <a:buFont typeface="Arial" panose="020B0604020202020204" pitchFamily="34" charset="0"/>
+                  <a:buChar char="•"/>
+                </a:pPr>
+                <a:r>
+                  <a:rPr lang="en-US" sz="1600" dirty="0">
+                    <a:latin typeface="+mn-lt"/>
+                  </a:rPr>
+                  <a:t>There is also loss of demotion with probabilities </a:t>
+                </a:r>
+                <a14:m>
+                  <m:oMath xmlns:m="http://schemas.openxmlformats.org/officeDocument/2006/math">
+                    <m:sSub>
+                      <m:sSubPr>
+                        <m:ctrlPr>
+                          <a:rPr lang="en-US" sz="1600" b="0" i="1" smtClean="0">
+                            <a:latin typeface="Cambria Math" panose="02040503050406030204" pitchFamily="18" charset="0"/>
+                          </a:rPr>
+                        </m:ctrlPr>
+                      </m:sSubPr>
+                      <m:e>
+                        <m:r>
+                          <a:rPr lang="en-US" sz="1600" b="0" i="1" smtClean="0">
+                            <a:latin typeface="Cambria Math" panose="02040503050406030204" pitchFamily="18" charset="0"/>
+                          </a:rPr>
+                          <m:t>𝐿</m:t>
+                        </m:r>
+                      </m:e>
+                      <m:sub>
+                        <m:r>
+                          <a:rPr lang="en-US" sz="1600" b="0" i="1" smtClean="0">
+                            <a:latin typeface="Cambria Math" panose="02040503050406030204" pitchFamily="18" charset="0"/>
+                          </a:rPr>
+                          <m:t>2</m:t>
+                        </m:r>
+                      </m:sub>
+                    </m:sSub>
+                    <m:d>
+                      <m:dPr>
+                        <m:ctrlPr>
+                          <a:rPr lang="en-US" sz="1600" b="0" i="1" smtClean="0">
+                            <a:latin typeface="Cambria Math" panose="02040503050406030204" pitchFamily="18" charset="0"/>
+                          </a:rPr>
+                        </m:ctrlPr>
+                      </m:dPr>
+                      <m:e>
+                        <m:r>
+                          <a:rPr lang="en-US" sz="1600" b="0" i="1" smtClean="0">
+                            <a:latin typeface="Cambria Math" panose="02040503050406030204" pitchFamily="18" charset="0"/>
+                          </a:rPr>
+                          <m:t>𝜈</m:t>
+                        </m:r>
+                      </m:e>
+                    </m:d>
+                    <m:r>
+                      <a:rPr lang="en-US" sz="1600" b="0" i="1" smtClean="0">
+                        <a:latin typeface="Cambria Math" panose="02040503050406030204" pitchFamily="18" charset="0"/>
+                      </a:rPr>
+                      <m:t>,</m:t>
+                    </m:r>
+                    <m:r>
+                      <a:rPr lang="en-US" sz="1600" b="0" i="1" smtClean="0">
+                        <a:latin typeface="Cambria Math" panose="02040503050406030204" pitchFamily="18" charset="0"/>
+                      </a:rPr>
+                      <m:t> </m:t>
+                    </m:r>
+                    <m:sSub>
+                      <m:sSubPr>
+                        <m:ctrlPr>
+                          <a:rPr lang="en-US" sz="1600" b="0" i="1" smtClean="0">
+                            <a:latin typeface="Cambria Math" panose="02040503050406030204" pitchFamily="18" charset="0"/>
+                          </a:rPr>
+                        </m:ctrlPr>
+                      </m:sSubPr>
+                      <m:e>
+                        <m:r>
+                          <a:rPr lang="en-US" sz="1600" b="0" i="1" smtClean="0">
+                            <a:latin typeface="Cambria Math" panose="02040503050406030204" pitchFamily="18" charset="0"/>
+                          </a:rPr>
+                          <m:t>𝐿</m:t>
+                        </m:r>
+                      </m:e>
+                      <m:sub>
+                        <m:r>
+                          <a:rPr lang="en-US" sz="1600" b="0" i="1" smtClean="0">
+                            <a:latin typeface="Cambria Math" panose="02040503050406030204" pitchFamily="18" charset="0"/>
+                          </a:rPr>
+                          <m:t>3</m:t>
+                        </m:r>
+                      </m:sub>
+                    </m:sSub>
+                    <m:d>
+                      <m:dPr>
+                        <m:ctrlPr>
+                          <a:rPr lang="en-US" sz="1600" b="0" i="1" smtClean="0">
+                            <a:latin typeface="Cambria Math" panose="02040503050406030204" pitchFamily="18" charset="0"/>
+                          </a:rPr>
+                        </m:ctrlPr>
+                      </m:dPr>
+                      <m:e>
+                        <m:r>
+                          <a:rPr lang="en-US" sz="1600" b="0" i="1" smtClean="0">
+                            <a:latin typeface="Cambria Math" panose="02040503050406030204" pitchFamily="18" charset="0"/>
+                          </a:rPr>
+                          <m:t>𝜈</m:t>
+                        </m:r>
+                      </m:e>
+                    </m:d>
+                    <m:r>
+                      <a:rPr lang="en-US" sz="1600" b="0" i="1" smtClean="0">
+                        <a:latin typeface="Cambria Math" panose="02040503050406030204" pitchFamily="18" charset="0"/>
+                      </a:rPr>
+                      <m:t>…</m:t>
+                    </m:r>
+                  </m:oMath>
+                </a14:m>
+                <a:endParaRPr lang="en-GB" sz="1600" dirty="0">
+                  <a:latin typeface="+mn-lt"/>
+                </a:endParaRPr>
+              </a:p>
+              <a:p>
+                <a:pPr marL="342900" indent="-342900">
+                  <a:buFont typeface="Arial" panose="020B0604020202020204" pitchFamily="34" charset="0"/>
+                  <a:buChar char="•"/>
+                </a:pPr>
+                <a:r>
+                  <a:rPr lang="en-GB" sz="1600" dirty="0">
+                    <a:latin typeface="+mn-lt"/>
+                  </a:rPr>
+                  <a:t>A two-band economy with </a:t>
+                </a:r>
+                <a14:m>
+                  <m:oMath xmlns:m="http://schemas.openxmlformats.org/officeDocument/2006/math">
+                    <m:sSub>
+                      <m:sSubPr>
+                        <m:ctrlPr>
+                          <a:rPr lang="en-US" sz="1600" b="0" i="1" smtClean="0">
+                            <a:latin typeface="Cambria Math" panose="02040503050406030204" pitchFamily="18" charset="0"/>
+                          </a:rPr>
+                        </m:ctrlPr>
+                      </m:sSubPr>
+                      <m:e>
+                        <m:r>
+                          <a:rPr lang="en-US" sz="1600" b="0" i="1" smtClean="0">
+                            <a:latin typeface="Cambria Math" panose="02040503050406030204" pitchFamily="18" charset="0"/>
+                          </a:rPr>
+                          <m:t>𝑦</m:t>
+                        </m:r>
+                      </m:e>
+                      <m:sub>
+                        <m:r>
+                          <a:rPr lang="en-US" sz="1600" b="0" i="1" smtClean="0">
+                            <a:latin typeface="Cambria Math" panose="02040503050406030204" pitchFamily="18" charset="0"/>
+                          </a:rPr>
+                          <m:t>1</m:t>
+                        </m:r>
+                      </m:sub>
+                    </m:sSub>
+                  </m:oMath>
+                </a14:m>
+                <a:r>
+                  <a:rPr lang="en-GB" sz="1600" dirty="0">
+                    <a:latin typeface="+mn-lt"/>
+                  </a:rPr>
+                  <a:t> and </a:t>
+                </a:r>
+                <a14:m>
+                  <m:oMath xmlns:m="http://schemas.openxmlformats.org/officeDocument/2006/math">
+                    <m:sSub>
+                      <m:sSubPr>
+                        <m:ctrlPr>
+                          <a:rPr lang="en-US" sz="1600" i="1">
+                            <a:latin typeface="Cambria Math" panose="02040503050406030204" pitchFamily="18" charset="0"/>
+                          </a:rPr>
+                        </m:ctrlPr>
+                      </m:sSubPr>
+                      <m:e>
+                        <m:r>
+                          <a:rPr lang="en-US" sz="1600" i="1">
+                            <a:latin typeface="Cambria Math" panose="02040503050406030204" pitchFamily="18" charset="0"/>
+                          </a:rPr>
+                          <m:t>𝑦</m:t>
+                        </m:r>
+                      </m:e>
+                      <m:sub>
+                        <m:r>
+                          <a:rPr lang="en-US" sz="1600" b="0" i="1" smtClean="0">
+                            <a:latin typeface="Cambria Math" panose="02040503050406030204" pitchFamily="18" charset="0"/>
+                          </a:rPr>
+                          <m:t>2</m:t>
+                        </m:r>
+                      </m:sub>
+                    </m:sSub>
+                    <m:r>
+                      <a:rPr lang="en-US" sz="1600" i="1">
+                        <a:latin typeface="Cambria Math" panose="02040503050406030204" pitchFamily="18" charset="0"/>
+                      </a:rPr>
+                      <m:t> </m:t>
+                    </m:r>
+                  </m:oMath>
+                </a14:m>
+                <a:r>
+                  <a:rPr lang="en-GB" sz="1600" dirty="0">
+                    <a:latin typeface="+mn-lt"/>
+                  </a:rPr>
+                  <a:t>would have promotion and demotion probabilities </a:t>
+                </a:r>
+                <a14:m>
+                  <m:oMath xmlns:m="http://schemas.openxmlformats.org/officeDocument/2006/math">
+                    <m:sSub>
+                      <m:sSubPr>
+                        <m:ctrlPr>
+                          <a:rPr lang="en-US" sz="1600" b="0" i="1" smtClean="0">
+                            <a:latin typeface="Cambria Math" panose="02040503050406030204" pitchFamily="18" charset="0"/>
+                          </a:rPr>
+                        </m:ctrlPr>
+                      </m:sSubPr>
+                      <m:e>
+                        <m:r>
+                          <a:rPr lang="en-US" sz="1600" b="0" i="1" smtClean="0">
+                            <a:latin typeface="Cambria Math" panose="02040503050406030204" pitchFamily="18" charset="0"/>
+                          </a:rPr>
+                          <m:t>𝑊</m:t>
+                        </m:r>
+                      </m:e>
+                      <m:sub>
+                        <m:r>
+                          <a:rPr lang="en-US" sz="1600" b="0" i="1" smtClean="0">
+                            <a:latin typeface="Cambria Math" panose="02040503050406030204" pitchFamily="18" charset="0"/>
+                          </a:rPr>
+                          <m:t>1</m:t>
+                        </m:r>
+                      </m:sub>
+                    </m:sSub>
+                    <m:d>
+                      <m:dPr>
+                        <m:ctrlPr>
+                          <a:rPr lang="en-US" sz="1600" b="0" i="1" smtClean="0">
+                            <a:latin typeface="Cambria Math" panose="02040503050406030204" pitchFamily="18" charset="0"/>
+                          </a:rPr>
+                        </m:ctrlPr>
+                      </m:dPr>
+                      <m:e>
+                        <m:r>
+                          <a:rPr lang="en-US" sz="1600" b="0" i="1" smtClean="0">
+                            <a:latin typeface="Cambria Math" panose="02040503050406030204" pitchFamily="18" charset="0"/>
+                          </a:rPr>
+                          <m:t>𝜈</m:t>
+                        </m:r>
+                      </m:e>
+                    </m:d>
+                  </m:oMath>
+                </a14:m>
+                <a:r>
+                  <a:rPr lang="en-GB" sz="1600" dirty="0">
+                    <a:latin typeface="+mn-lt"/>
+                  </a:rPr>
+                  <a:t> and </a:t>
+                </a:r>
+                <a14:m>
+                  <m:oMath xmlns:m="http://schemas.openxmlformats.org/officeDocument/2006/math">
+                    <m:sSub>
+                      <m:sSubPr>
+                        <m:ctrlPr>
+                          <a:rPr lang="en-US" sz="1600" i="1">
+                            <a:latin typeface="Cambria Math" panose="02040503050406030204" pitchFamily="18" charset="0"/>
+                          </a:rPr>
+                        </m:ctrlPr>
+                      </m:sSubPr>
+                      <m:e>
+                        <m:r>
+                          <a:rPr lang="en-US" sz="1600" b="0" i="1" smtClean="0">
+                            <a:latin typeface="Cambria Math" panose="02040503050406030204" pitchFamily="18" charset="0"/>
+                          </a:rPr>
+                          <m:t>𝐿</m:t>
+                        </m:r>
+                      </m:e>
+                      <m:sub>
+                        <m:r>
+                          <a:rPr lang="en-US" sz="1600" i="1">
+                            <a:latin typeface="Cambria Math" panose="02040503050406030204" pitchFamily="18" charset="0"/>
+                          </a:rPr>
+                          <m:t>2</m:t>
+                        </m:r>
+                      </m:sub>
+                    </m:sSub>
+                    <m:d>
+                      <m:dPr>
+                        <m:ctrlPr>
+                          <a:rPr lang="en-US" sz="1600" i="1">
+                            <a:latin typeface="Cambria Math" panose="02040503050406030204" pitchFamily="18" charset="0"/>
+                          </a:rPr>
+                        </m:ctrlPr>
+                      </m:dPr>
+                      <m:e>
+                        <m:r>
+                          <a:rPr lang="en-US" sz="1600" i="1">
+                            <a:latin typeface="Cambria Math" panose="02040503050406030204" pitchFamily="18" charset="0"/>
+                          </a:rPr>
+                          <m:t>𝜈</m:t>
+                        </m:r>
+                      </m:e>
+                    </m:d>
+                  </m:oMath>
+                </a14:m>
+                <a:endParaRPr lang="en-GB" sz="1600" dirty="0">
+                  <a:latin typeface="+mn-lt"/>
+                </a:endParaRPr>
+              </a:p>
+            </p:txBody>
+          </p:sp>
+        </mc:Choice>
+        <mc:Fallback>
+          <p:sp>
+            <p:nvSpPr>
+              <p:cNvPr id="7" name="TextBox 6">
+                <a:extLst>
+                  <a:ext uri="{FF2B5EF4-FFF2-40B4-BE49-F238E27FC236}">
+                    <a16:creationId xmlns:a16="http://schemas.microsoft.com/office/drawing/2014/main" id="{52EDB316-70AD-FB12-8A47-0FB9CAE78555}"/>
+                  </a:ext>
+                </a:extLst>
+              </p:cNvPr>
+              <p:cNvSpPr txBox="1">
+                <a:spLocks noRot="1" noChangeAspect="1" noMove="1" noResize="1" noEditPoints="1" noAdjustHandles="1" noChangeArrowheads="1" noChangeShapeType="1" noTextEdit="1"/>
+              </p:cNvSpPr>
+              <p:nvPr/>
+            </p:nvSpPr>
+            <p:spPr>
+              <a:xfrm>
+                <a:off x="559904" y="1268844"/>
+                <a:ext cx="4038600" cy="3539430"/>
+              </a:xfrm>
+              <a:prstGeom prst="rect">
+                <a:avLst/>
+              </a:prstGeom>
+              <a:blipFill>
+                <a:blip r:embed="rId3"/>
+                <a:stretch>
+                  <a:fillRect l="-604" t="-516" b="-1205"/>
+                </a:stretch>
+              </a:blipFill>
+            </p:spPr>
+            <p:txBody>
+              <a:bodyPr/>
+              <a:lstStyle/>
+              <a:p>
+                <a:r>
+                  <a:rPr lang="en-GB">
+                    <a:noFill/>
+                  </a:rPr>
+                  <a:t> </a:t>
+                </a:r>
+              </a:p>
+            </p:txBody>
+          </p:sp>
+        </mc:Fallback>
+      </mc:AlternateContent>
     </p:spTree>
     <p:extLst>
       <p:ext uri="{BB962C8B-B14F-4D97-AF65-F5344CB8AC3E}">
@@ -17050,6 +17798,320 @@
           <p:cNvPr id="2" name="Title 1">
             <a:extLst>
               <a:ext uri="{FF2B5EF4-FFF2-40B4-BE49-F238E27FC236}">
+                <a16:creationId xmlns:a16="http://schemas.microsoft.com/office/drawing/2014/main" id="{9F8987B2-34C7-A1BE-A89D-48A6BA5E5F41}"/>
+              </a:ext>
+            </a:extLst>
+          </p:cNvPr>
+          <p:cNvSpPr>
+            <a:spLocks noGrp="1"/>
+          </p:cNvSpPr>
+          <p:nvPr>
+            <p:ph type="title"/>
+          </p:nvPr>
+        </p:nvSpPr>
+        <p:spPr/>
+        <p:txBody>
+          <a:bodyPr/>
+          <a:lstStyle/>
+          <a:p>
+            <a:r>
+              <a:rPr lang="en-US" dirty="0"/>
+              <a:t>Does a long-term equilibrium exist?</a:t>
+            </a:r>
+            <a:endParaRPr lang="en-GB" dirty="0"/>
+          </a:p>
+        </p:txBody>
+      </p:sp>
+      <mc:AlternateContent xmlns:mc="http://schemas.openxmlformats.org/markup-compatibility/2006">
+        <mc:Choice xmlns:a14="http://schemas.microsoft.com/office/drawing/2010/main" Requires="a14">
+          <p:sp>
+            <p:nvSpPr>
+              <p:cNvPr id="3" name="Content Placeholder 2">
+                <a:extLst>
+                  <a:ext uri="{FF2B5EF4-FFF2-40B4-BE49-F238E27FC236}">
+                    <a16:creationId xmlns:a16="http://schemas.microsoft.com/office/drawing/2014/main" id="{2047F682-E137-7513-AE25-D276027405D3}"/>
+                  </a:ext>
+                </a:extLst>
+              </p:cNvPr>
+              <p:cNvSpPr>
+                <a:spLocks noGrp="1"/>
+              </p:cNvSpPr>
+              <p:nvPr>
+                <p:ph idx="1"/>
+              </p:nvPr>
+            </p:nvSpPr>
+            <p:spPr>
+              <a:xfrm>
+                <a:off x="571500" y="3234929"/>
+                <a:ext cx="8001000" cy="1304439"/>
+              </a:xfrm>
+            </p:spPr>
+            <p:txBody>
+              <a:bodyPr>
+                <a:normAutofit fontScale="92500" lnSpcReduction="10000"/>
+              </a:bodyPr>
+              <a:lstStyle/>
+              <a:p>
+                <a:r>
+                  <a:rPr lang="en-US" dirty="0"/>
+                  <a:t>In such games, the short-term equilibria are symmetric Nash equilibria</a:t>
+                </a:r>
+              </a:p>
+              <a:p>
+                <a:r>
+                  <a:rPr lang="en-US" dirty="0"/>
+                  <a:t>Considering a two-band economy, the short-term equilibrium would mean that a rise in income differences</a:t>
+                </a:r>
+                <a14:m>
+                  <m:oMath xmlns:m="http://schemas.openxmlformats.org/officeDocument/2006/math">
+                    <m:r>
+                      <a:rPr lang="en-US" sz="2400" b="0" i="0" smtClean="0">
+                        <a:latin typeface="Cambria Math" panose="02040503050406030204" pitchFamily="18" charset="0"/>
+                      </a:rPr>
+                      <m:t> </m:t>
+                    </m:r>
+                    <m:sSub>
+                      <m:sSubPr>
+                        <m:ctrlPr>
+                          <a:rPr lang="en-US" sz="2400" b="0" i="1" smtClean="0">
+                            <a:latin typeface="Cambria Math" panose="02040503050406030204" pitchFamily="18" charset="0"/>
+                          </a:rPr>
+                        </m:ctrlPr>
+                      </m:sSubPr>
+                      <m:e>
+                        <m:r>
+                          <a:rPr lang="en-US" sz="2400" b="0" i="1" smtClean="0">
+                            <a:latin typeface="Cambria Math" panose="02040503050406030204" pitchFamily="18" charset="0"/>
+                          </a:rPr>
+                          <m:t>𝑦</m:t>
+                        </m:r>
+                      </m:e>
+                      <m:sub>
+                        <m:r>
+                          <a:rPr lang="en-US" sz="2400" b="0" i="1" smtClean="0">
+                            <a:latin typeface="Cambria Math" panose="02040503050406030204" pitchFamily="18" charset="0"/>
+                          </a:rPr>
+                          <m:t>2</m:t>
+                        </m:r>
+                      </m:sub>
+                    </m:sSub>
+                    <m:r>
+                      <a:rPr lang="en-US" sz="2400" b="0" i="1" smtClean="0">
+                        <a:latin typeface="Cambria Math" panose="02040503050406030204" pitchFamily="18" charset="0"/>
+                      </a:rPr>
+                      <m:t>−</m:t>
+                    </m:r>
+                    <m:sSub>
+                      <m:sSubPr>
+                        <m:ctrlPr>
+                          <a:rPr lang="en-US" sz="2400" b="0" i="1" smtClean="0">
+                            <a:latin typeface="Cambria Math" panose="02040503050406030204" pitchFamily="18" charset="0"/>
+                          </a:rPr>
+                        </m:ctrlPr>
+                      </m:sSubPr>
+                      <m:e>
+                        <m:r>
+                          <a:rPr lang="en-US" sz="2400" b="0" i="1" smtClean="0">
+                            <a:latin typeface="Cambria Math" panose="02040503050406030204" pitchFamily="18" charset="0"/>
+                          </a:rPr>
+                          <m:t>𝑦</m:t>
+                        </m:r>
+                      </m:e>
+                      <m:sub>
+                        <m:r>
+                          <a:rPr lang="en-US" sz="2400" b="0" i="1" smtClean="0">
+                            <a:latin typeface="Cambria Math" panose="02040503050406030204" pitchFamily="18" charset="0"/>
+                          </a:rPr>
+                          <m:t>1</m:t>
+                        </m:r>
+                      </m:sub>
+                    </m:sSub>
+                  </m:oMath>
+                </a14:m>
+                <a:r>
+                  <a:rPr lang="en-US" dirty="0"/>
+                  <a:t> raise </a:t>
+                </a:r>
+                <a14:m>
+                  <m:oMath xmlns:m="http://schemas.openxmlformats.org/officeDocument/2006/math">
+                    <m:r>
+                      <a:rPr lang="en-US" sz="2400" b="0" i="1" smtClean="0">
+                        <a:latin typeface="Cambria Math" panose="02040503050406030204" pitchFamily="18" charset="0"/>
+                      </a:rPr>
+                      <m:t>𝜈</m:t>
+                    </m:r>
+                  </m:oMath>
+                </a14:m>
+                <a:r>
+                  <a:rPr lang="en-US" dirty="0"/>
+                  <a:t>?</a:t>
+                </a:r>
+              </a:p>
+              <a:p>
+                <a:r>
+                  <a:rPr lang="en-US" dirty="0"/>
+                  <a:t>What are the conditions and implications </a:t>
+                </a:r>
+                <a:r>
+                  <a:rPr lang="en-US"/>
+                  <a:t>of a long-term </a:t>
+                </a:r>
+                <a:r>
+                  <a:rPr lang="en-US" dirty="0"/>
+                  <a:t>equilibria?</a:t>
+                </a:r>
+                <a:endParaRPr lang="en-GB" dirty="0"/>
+              </a:p>
+            </p:txBody>
+          </p:sp>
+        </mc:Choice>
+        <mc:Fallback>
+          <p:sp>
+            <p:nvSpPr>
+              <p:cNvPr id="3" name="Content Placeholder 2">
+                <a:extLst>
+                  <a:ext uri="{FF2B5EF4-FFF2-40B4-BE49-F238E27FC236}">
+                    <a16:creationId xmlns:a16="http://schemas.microsoft.com/office/drawing/2014/main" id="{2047F682-E137-7513-AE25-D276027405D3}"/>
+                  </a:ext>
+                </a:extLst>
+              </p:cNvPr>
+              <p:cNvSpPr>
+                <a:spLocks noGrp="1" noRot="1" noChangeAspect="1" noMove="1" noResize="1" noEditPoints="1" noAdjustHandles="1" noChangeArrowheads="1" noChangeShapeType="1" noTextEdit="1"/>
+              </p:cNvSpPr>
+              <p:nvPr>
+                <p:ph idx="1"/>
+              </p:nvPr>
+            </p:nvSpPr>
+            <p:spPr>
+              <a:xfrm>
+                <a:off x="571500" y="3234929"/>
+                <a:ext cx="8001000" cy="1304439"/>
+              </a:xfrm>
+              <a:blipFill>
+                <a:blip r:embed="rId2"/>
+                <a:stretch>
+                  <a:fillRect l="-610" t="-6075" b="-4673"/>
+                </a:stretch>
+              </a:blipFill>
+            </p:spPr>
+            <p:txBody>
+              <a:bodyPr/>
+              <a:lstStyle/>
+              <a:p>
+                <a:r>
+                  <a:rPr lang="en-GB">
+                    <a:noFill/>
+                  </a:rPr>
+                  <a:t> </a:t>
+                </a:r>
+              </a:p>
+            </p:txBody>
+          </p:sp>
+        </mc:Fallback>
+      </mc:AlternateContent>
+      <p:sp>
+        <p:nvSpPr>
+          <p:cNvPr id="4" name="Slide Number Placeholder 3">
+            <a:extLst>
+              <a:ext uri="{FF2B5EF4-FFF2-40B4-BE49-F238E27FC236}">
+                <a16:creationId xmlns:a16="http://schemas.microsoft.com/office/drawing/2014/main" id="{D06DB6DB-0F62-0C11-D5BA-85B34EDEF836}"/>
+              </a:ext>
+            </a:extLst>
+          </p:cNvPr>
+          <p:cNvSpPr>
+            <a:spLocks noGrp="1"/>
+          </p:cNvSpPr>
+          <p:nvPr>
+            <p:ph type="sldNum" sz="quarter" idx="12"/>
+          </p:nvPr>
+        </p:nvSpPr>
+        <p:spPr/>
+        <p:txBody>
+          <a:bodyPr/>
+          <a:lstStyle/>
+          <a:p>
+            <a:pPr>
+              <a:defRPr/>
+            </a:pPr>
+            <a:fld id="{8E35B453-7314-4BBD-9303-11C6BECC4B0D}" type="slidenum">
+              <a:rPr lang="en-GB" altLang="en-US" smtClean="0"/>
+              <a:pPr>
+                <a:defRPr/>
+              </a:pPr>
+              <a:t>4</a:t>
+            </a:fld>
+            <a:endParaRPr lang="en-GB" altLang="en-US" dirty="0"/>
+          </a:p>
+        </p:txBody>
+      </p:sp>
+      <p:pic>
+        <p:nvPicPr>
+          <p:cNvPr id="6" name="Picture 5">
+            <a:extLst>
+              <a:ext uri="{FF2B5EF4-FFF2-40B4-BE49-F238E27FC236}">
+                <a16:creationId xmlns:a16="http://schemas.microsoft.com/office/drawing/2014/main" id="{8D327A79-9884-3D10-2D1D-3EF214AFD216}"/>
+              </a:ext>
+            </a:extLst>
+          </p:cNvPr>
+          <p:cNvPicPr>
+            <a:picLocks noChangeAspect="1"/>
+          </p:cNvPicPr>
+          <p:nvPr/>
+        </p:nvPicPr>
+        <p:blipFill>
+          <a:blip r:embed="rId3"/>
+          <a:stretch>
+            <a:fillRect/>
+          </a:stretch>
+        </p:blipFill>
+        <p:spPr>
+          <a:xfrm>
+            <a:off x="1657798" y="1056241"/>
+            <a:ext cx="5598277" cy="1744109"/>
+          </a:xfrm>
+          <a:prstGeom prst="rect">
+            <a:avLst/>
+          </a:prstGeom>
+        </p:spPr>
+      </p:pic>
+    </p:spTree>
+    <p:extLst>
+      <p:ext uri="{BB962C8B-B14F-4D97-AF65-F5344CB8AC3E}">
+        <p14:creationId xmlns:p14="http://schemas.microsoft.com/office/powerpoint/2010/main" val="461592466"/>
+      </p:ext>
+    </p:extLst>
+  </p:cSld>
+  <p:clrMapOvr>
+    <a:masterClrMapping/>
+  </p:clrMapOvr>
+  <p:transition>
+    <p:fade/>
+  </p:transition>
+</p:sld>
+</file>
+
+<file path=ppt/slides/slide5.xml><?xml version="1.0" encoding="utf-8"?>
+<p:sld xmlns:a="http://schemas.openxmlformats.org/drawingml/2006/main" xmlns:r="http://schemas.openxmlformats.org/officeDocument/2006/relationships" xmlns:p="http://schemas.openxmlformats.org/presentationml/2006/main">
+  <p:cSld>
+    <p:spTree>
+      <p:nvGrpSpPr>
+        <p:cNvPr id="1" name=""/>
+        <p:cNvGrpSpPr/>
+        <p:nvPr/>
+      </p:nvGrpSpPr>
+      <p:grpSpPr>
+        <a:xfrm>
+          <a:off x="0" y="0"/>
+          <a:ext cx="0" cy="0"/>
+          <a:chOff x="0" y="0"/>
+          <a:chExt cx="0" cy="0"/>
+        </a:xfrm>
+      </p:grpSpPr>
+      <p:sp>
+        <p:nvSpPr>
+          <p:cNvPr id="2" name="Title 1">
+            <a:extLst>
+              <a:ext uri="{FF2B5EF4-FFF2-40B4-BE49-F238E27FC236}">
                 <a16:creationId xmlns:a16="http://schemas.microsoft.com/office/drawing/2014/main" id="{7D84DC6D-27E3-B38E-7F85-4017A82360FA}"/>
               </a:ext>
             </a:extLst>
@@ -17172,7 +18234,7 @@
               <a:pPr>
                 <a:defRPr/>
               </a:pPr>
-              <a:t>4</a:t>
+              <a:t>5</a:t>
             </a:fld>
             <a:endParaRPr lang="en-GB" altLang="en-US" dirty="0"/>
           </a:p>

--- a/consumption/presentationJun2022.pptx
+++ b/consumption/presentationJun2022.pptx
@@ -6,52 +6,56 @@
     <p:sldMasterId id="2147483840" r:id="rId2"/>
   </p:sldMasterIdLst>
   <p:notesMasterIdLst>
-    <p:notesMasterId r:id="rId8"/>
+    <p:notesMasterId r:id="rId12"/>
   </p:notesMasterIdLst>
   <p:handoutMasterIdLst>
-    <p:handoutMasterId r:id="rId9"/>
+    <p:handoutMasterId r:id="rId13"/>
   </p:handoutMasterIdLst>
   <p:sldIdLst>
     <p:sldId id="301" r:id="rId3"/>
     <p:sldId id="302" r:id="rId4"/>
     <p:sldId id="304" r:id="rId5"/>
     <p:sldId id="305" r:id="rId6"/>
-    <p:sldId id="303" r:id="rId7"/>
+    <p:sldId id="306" r:id="rId7"/>
+    <p:sldId id="307" r:id="rId8"/>
+    <p:sldId id="308" r:id="rId9"/>
+    <p:sldId id="309" r:id="rId10"/>
+    <p:sldId id="303" r:id="rId11"/>
   </p:sldIdLst>
   <p:sldSz cx="9144000" cy="5143500" type="screen16x9"/>
   <p:notesSz cx="6718300" cy="9867900"/>
   <p:embeddedFontLst>
     <p:embeddedFont>
       <p:font typeface="Calibri" panose="020F0502020204030204" pitchFamily="34" charset="0"/>
-      <p:regular r:id="rId10"/>
-      <p:bold r:id="rId11"/>
-      <p:italic r:id="rId12"/>
-      <p:boldItalic r:id="rId13"/>
+      <p:regular r:id="rId14"/>
+      <p:bold r:id="rId15"/>
+      <p:italic r:id="rId16"/>
+      <p:boldItalic r:id="rId17"/>
     </p:embeddedFont>
     <p:embeddedFont>
       <p:font typeface="Calibri Light" panose="020F0302020204030204" pitchFamily="34" charset="0"/>
-      <p:regular r:id="rId14"/>
-      <p:italic r:id="rId15"/>
+      <p:regular r:id="rId18"/>
+      <p:italic r:id="rId19"/>
     </p:embeddedFont>
     <p:embeddedFont>
       <p:font typeface="Cambria Math" panose="02040503050406030204" pitchFamily="18" charset="0"/>
-      <p:regular r:id="rId16"/>
+      <p:regular r:id="rId20"/>
     </p:embeddedFont>
     <p:embeddedFont>
       <p:font typeface="Effra" panose="020B0604020202020204" charset="0"/>
-      <p:regular r:id="rId17"/>
-      <p:bold r:id="rId18"/>
-      <p:italic r:id="rId19"/>
-      <p:boldItalic r:id="rId20"/>
+      <p:regular r:id="rId21"/>
+      <p:bold r:id="rId22"/>
+      <p:italic r:id="rId23"/>
+      <p:boldItalic r:id="rId24"/>
     </p:embeddedFont>
     <p:embeddedFont>
       <p:font typeface="Effra Bold" panose="020B0604020202020204" charset="0"/>
-      <p:bold r:id="rId21"/>
+      <p:bold r:id="rId25"/>
     </p:embeddedFont>
     <p:embeddedFont>
       <p:font typeface="Effra Light" panose="020B0604020202020204" charset="0"/>
-      <p:regular r:id="rId22"/>
-      <p:italic r:id="rId23"/>
+      <p:regular r:id="rId26"/>
+      <p:italic r:id="rId27"/>
     </p:embeddedFont>
   </p:embeddedFontLst>
   <p:defaultTextStyle>
@@ -7483,7 +7487,7 @@
               <a:pPr>
                 <a:defRPr/>
               </a:pPr>
-              <a:t>6/12/2022</a:t>
+              <a:t>6/13/2022</a:t>
             </a:fld>
             <a:endParaRPr lang="en-US" altLang="en-US"/>
           </a:p>
@@ -7924,7 +7928,7 @@
               <a:pPr>
                 <a:defRPr/>
               </a:pPr>
-              <a:t>6/12/2022</a:t>
+              <a:t>6/13/2022</a:t>
             </a:fld>
             <a:endParaRPr lang="en-US" altLang="en-US"/>
           </a:p>
@@ -8153,7 +8157,7 @@
               <a:pPr>
                 <a:defRPr/>
               </a:pPr>
-              <a:t>6/12/2022</a:t>
+              <a:t>6/13/2022</a:t>
             </a:fld>
             <a:endParaRPr lang="en-US" altLang="en-US"/>
           </a:p>
@@ -8342,7 +8346,7 @@
               <a:pPr>
                 <a:defRPr/>
               </a:pPr>
-              <a:t>6/12/2022</a:t>
+              <a:t>6/13/2022</a:t>
             </a:fld>
             <a:endParaRPr lang="en-US"/>
           </a:p>
@@ -8606,7 +8610,7 @@
               <a:pPr>
                 <a:defRPr/>
               </a:pPr>
-              <a:t>6/12/2022</a:t>
+              <a:t>6/13/2022</a:t>
             </a:fld>
             <a:endParaRPr lang="en-US"/>
           </a:p>
@@ -8857,7 +8861,7 @@
               <a:pPr>
                 <a:defRPr/>
               </a:pPr>
-              <a:t>6/12/2022</a:t>
+              <a:t>6/13/2022</a:t>
             </a:fld>
             <a:endParaRPr lang="en-US" altLang="en-US"/>
           </a:p>
@@ -9243,7 +9247,7 @@
               <a:pPr>
                 <a:defRPr/>
               </a:pPr>
-              <a:t>6/12/2022</a:t>
+              <a:t>6/13/2022</a:t>
             </a:fld>
             <a:endParaRPr lang="en-US"/>
           </a:p>
@@ -9380,7 +9384,7 @@
               <a:pPr>
                 <a:defRPr/>
               </a:pPr>
-              <a:t>6/12/2022</a:t>
+              <a:t>6/13/2022</a:t>
             </a:fld>
             <a:endParaRPr lang="en-US"/>
           </a:p>
@@ -9494,7 +9498,7 @@
               <a:pPr>
                 <a:defRPr/>
               </a:pPr>
-              <a:t>6/12/2022</a:t>
+              <a:t>6/13/2022</a:t>
             </a:fld>
             <a:endParaRPr lang="en-US"/>
           </a:p>
@@ -9790,7 +9794,7 @@
               <a:pPr>
                 <a:defRPr/>
               </a:pPr>
-              <a:t>6/12/2022</a:t>
+              <a:t>6/13/2022</a:t>
             </a:fld>
             <a:endParaRPr lang="en-US"/>
           </a:p>
@@ -10066,7 +10070,7 @@
               <a:pPr>
                 <a:defRPr/>
               </a:pPr>
-              <a:t>6/12/2022</a:t>
+              <a:t>6/13/2022</a:t>
             </a:fld>
             <a:endParaRPr lang="en-US"/>
           </a:p>
@@ -11494,7 +11498,7 @@
               <a:pPr>
                 <a:defRPr/>
               </a:pPr>
-              <a:t>6/12/2022</a:t>
+              <a:t>6/13/2022</a:t>
             </a:fld>
             <a:endParaRPr lang="en-US"/>
           </a:p>
@@ -11693,7 +11697,7 @@
               <a:pPr>
                 <a:defRPr/>
               </a:pPr>
-              <a:t>6/12/2022</a:t>
+              <a:t>6/13/2022</a:t>
             </a:fld>
             <a:endParaRPr lang="en-US"/>
           </a:p>
@@ -16115,7 +16119,7 @@
           <a:p>
             <a:fld id="{C764DE79-268F-4C1A-8933-263129D2AF90}" type="datetimeFigureOut">
               <a:rPr lang="en-US" dirty="0"/>
-              <a:t>6/12/2022</a:t>
+              <a:t>6/13/2022</a:t>
             </a:fld>
             <a:endParaRPr lang="en-US" dirty="0"/>
           </a:p>
@@ -16857,25 +16861,25 @@
           <a:p>
             <a:r>
               <a:rPr lang="en-GB" dirty="0"/>
-              <a:t>Competitions for status had  been recognised by Veblen (1899).</a:t>
+              <a:t>Status competitions had  been elaborated first by Veblen (1899).</a:t>
             </a:r>
           </a:p>
           <a:p>
             <a:r>
               <a:rPr lang="en-GB" dirty="0"/>
-              <a:t>Veblen’s ideas are now assimilated as conspicuous consumption </a:t>
+              <a:t>Veblen’s ideas have resurfaced in the post-war years and are constituted in the concerns of conspicuous consumption </a:t>
             </a:r>
           </a:p>
           <a:p>
             <a:r>
               <a:rPr lang="en-GB" dirty="0"/>
-              <a:t>The idea of futility of conspicuous consumption is key to modern interpretation – notably by Frank (1987).</a:t>
+              <a:t>The idea of futility of conspicuous consumption is key to its modern interpretations – notably by Frank (1987).</a:t>
             </a:r>
           </a:p>
           <a:p>
             <a:r>
               <a:rPr lang="en-GB" dirty="0"/>
-              <a:t>There are some competitions that are fuelled by uncertain investments</a:t>
+              <a:t>However, there are some competitions that are fuelled by uncertain investments and some approaches focus on gains in non-transactional markets – e.g. by Cole et al (1992)</a:t>
             </a:r>
           </a:p>
           <a:p>
@@ -17021,8 +17025,8 @@
           </a:p>
         </p:txBody>
       </p:sp>
-      <mc:AlternateContent xmlns:mc="http://schemas.openxmlformats.org/markup-compatibility/2006">
-        <mc:Choice xmlns:a14="http://schemas.microsoft.com/office/drawing/2010/main" Requires="a14">
+      <mc:AlternateContent xmlns:mc="http://schemas.openxmlformats.org/markup-compatibility/2006" xmlns:a14="http://schemas.microsoft.com/office/drawing/2010/main">
+        <mc:Choice Requires="a14">
           <p:sp>
             <p:nvSpPr>
               <p:cNvPr id="7" name="TextBox 6">
@@ -17065,13 +17069,13 @@
                   <m:oMath xmlns:m="http://schemas.openxmlformats.org/officeDocument/2006/math">
                     <m:r>
                       <a:rPr lang="en-US" sz="1600" b="0" i="1" smtClean="0">
-                        <a:latin typeface="+mn-lt"/>
+                        <a:latin typeface="Cambria Math" panose="02040503050406030204" pitchFamily="18" charset="0"/>
                       </a:rPr>
                       <m:t>𝑛</m:t>
                     </m:r>
                     <m:r>
                       <a:rPr lang="en-US" sz="1600" i="1">
-                        <a:latin typeface="+mn-lt"/>
+                        <a:latin typeface="Cambria Math" panose="02040503050406030204" pitchFamily="18" charset="0"/>
                       </a:rPr>
                       <m:t> </m:t>
                     </m:r>
@@ -17089,14 +17093,14 @@
                       <m:sSubPr>
                         <m:ctrlPr>
                           <a:rPr lang="en-US" sz="1600" b="0" i="1" smtClean="0">
-                            <a:latin typeface="+mn-lt"/>
+                            <a:latin typeface="Cambria Math" panose="02040503050406030204" pitchFamily="18" charset="0"/>
                           </a:rPr>
                         </m:ctrlPr>
                       </m:sSubPr>
                       <m:e>
                         <m:r>
                           <a:rPr lang="en-US" sz="1600" b="0" i="1" smtClean="0">
-                            <a:latin typeface="+mn-lt"/>
+                            <a:latin typeface="Cambria Math" panose="02040503050406030204" pitchFamily="18" charset="0"/>
                           </a:rPr>
                           <m:t>𝑦</m:t>
                         </m:r>
@@ -17104,7 +17108,7 @@
                       <m:sub>
                         <m:r>
                           <a:rPr lang="en-US" sz="1600" b="0" i="1" smtClean="0">
-                            <a:latin typeface="+mn-lt"/>
+                            <a:latin typeface="Cambria Math" panose="02040503050406030204" pitchFamily="18" charset="0"/>
                           </a:rPr>
                           <m:t>1</m:t>
                         </m:r>
@@ -17112,7 +17116,7 @@
                     </m:sSub>
                     <m:r>
                       <a:rPr lang="en-US" sz="1600" b="0" i="1" smtClean="0">
-                        <a:latin typeface="+mn-lt"/>
+                        <a:latin typeface="Cambria Math" panose="02040503050406030204" pitchFamily="18" charset="0"/>
                       </a:rPr>
                       <m:t>,</m:t>
                     </m:r>
@@ -17120,14 +17124,14 @@
                       <m:sSubPr>
                         <m:ctrlPr>
                           <a:rPr lang="en-US" sz="1600" b="0" i="1" smtClean="0">
-                            <a:latin typeface="+mn-lt"/>
+                            <a:latin typeface="Cambria Math" panose="02040503050406030204" pitchFamily="18" charset="0"/>
                           </a:rPr>
                         </m:ctrlPr>
                       </m:sSubPr>
                       <m:e>
                         <m:r>
                           <a:rPr lang="en-US" sz="1600" b="0" i="1" smtClean="0">
-                            <a:latin typeface="+mn-lt"/>
+                            <a:latin typeface="Cambria Math" panose="02040503050406030204" pitchFamily="18" charset="0"/>
                           </a:rPr>
                           <m:t>𝑦</m:t>
                         </m:r>
@@ -17135,7 +17139,7 @@
                       <m:sub>
                         <m:r>
                           <a:rPr lang="en-US" sz="1600" b="0" i="1" smtClean="0">
-                            <a:latin typeface="+mn-lt"/>
+                            <a:latin typeface="Cambria Math" panose="02040503050406030204" pitchFamily="18" charset="0"/>
                           </a:rPr>
                           <m:t>2</m:t>
                         </m:r>
@@ -17143,7 +17147,7 @@
                     </m:sSub>
                     <m:r>
                       <a:rPr lang="en-US" sz="1600" b="0" i="1" smtClean="0">
-                        <a:latin typeface="+mn-lt"/>
+                        <a:latin typeface="Cambria Math" panose="02040503050406030204" pitchFamily="18" charset="0"/>
                       </a:rPr>
                       <m:t>,…</m:t>
                     </m:r>
@@ -17161,14 +17165,14 @@
                       <m:sSubPr>
                         <m:ctrlPr>
                           <a:rPr lang="en-US" sz="1600" i="1">
-                            <a:latin typeface="+mn-lt"/>
+                            <a:latin typeface="Cambria Math" panose="02040503050406030204" pitchFamily="18" charset="0"/>
                           </a:rPr>
                         </m:ctrlPr>
                       </m:sSubPr>
                       <m:e>
                         <m:r>
                           <a:rPr lang="en-US" sz="1600" i="1">
-                            <a:latin typeface="+mn-lt"/>
+                            <a:latin typeface="Cambria Math" panose="02040503050406030204" pitchFamily="18" charset="0"/>
                           </a:rPr>
                           <m:t>𝑦</m:t>
                         </m:r>
@@ -17176,7 +17180,7 @@
                       <m:sub>
                         <m:r>
                           <a:rPr lang="en-US" sz="1600" i="1">
-                            <a:latin typeface="+mn-lt"/>
+                            <a:latin typeface="Cambria Math" panose="02040503050406030204" pitchFamily="18" charset="0"/>
                           </a:rPr>
                           <m:t>1</m:t>
                         </m:r>
@@ -17184,7 +17188,7 @@
                     </m:sSub>
                     <m:r>
                       <a:rPr lang="en-US" sz="1600" b="0" i="1" smtClean="0">
-                        <a:latin typeface="+mn-lt"/>
+                        <a:latin typeface="Cambria Math" panose="02040503050406030204" pitchFamily="18" charset="0"/>
                       </a:rPr>
                       <m:t>&lt;</m:t>
                     </m:r>
@@ -17192,14 +17196,14 @@
                       <m:sSubPr>
                         <m:ctrlPr>
                           <a:rPr lang="en-US" sz="1600" i="1">
-                            <a:latin typeface="+mn-lt"/>
+                            <a:latin typeface="Cambria Math" panose="02040503050406030204" pitchFamily="18" charset="0"/>
                           </a:rPr>
                         </m:ctrlPr>
                       </m:sSubPr>
                       <m:e>
                         <m:r>
                           <a:rPr lang="en-US" sz="1600" i="1">
-                            <a:latin typeface="+mn-lt"/>
+                            <a:latin typeface="Cambria Math" panose="02040503050406030204" pitchFamily="18" charset="0"/>
                           </a:rPr>
                           <m:t>𝑦</m:t>
                         </m:r>
@@ -17207,7 +17211,7 @@
                       <m:sub>
                         <m:r>
                           <a:rPr lang="en-US" sz="1600" i="1">
-                            <a:latin typeface="+mn-lt"/>
+                            <a:latin typeface="Cambria Math" panose="02040503050406030204" pitchFamily="18" charset="0"/>
                           </a:rPr>
                           <m:t>2</m:t>
                         </m:r>
@@ -17215,7 +17219,7 @@
                     </m:sSub>
                     <m:r>
                       <a:rPr lang="en-US" sz="1600" b="0" i="1" smtClean="0">
-                        <a:latin typeface="+mn-lt"/>
+                        <a:latin typeface="Cambria Math" panose="02040503050406030204" pitchFamily="18" charset="0"/>
                       </a:rPr>
                       <m:t>&lt;…&lt;</m:t>
                     </m:r>
@@ -17223,14 +17227,14 @@
                       <m:sSubPr>
                         <m:ctrlPr>
                           <a:rPr lang="en-US" sz="1600" b="0" i="1" smtClean="0">
-                            <a:latin typeface="+mn-lt"/>
+                            <a:latin typeface="Cambria Math" panose="02040503050406030204" pitchFamily="18" charset="0"/>
                           </a:rPr>
                         </m:ctrlPr>
                       </m:sSubPr>
                       <m:e>
                         <m:r>
                           <a:rPr lang="en-US" sz="1600" b="0" i="1" smtClean="0">
-                            <a:latin typeface="+mn-lt"/>
+                            <a:latin typeface="Cambria Math" panose="02040503050406030204" pitchFamily="18" charset="0"/>
                           </a:rPr>
                           <m:t>𝑦</m:t>
                         </m:r>
@@ -17238,7 +17242,7 @@
                       <m:sub>
                         <m:r>
                           <a:rPr lang="en-US" sz="1600" b="0" i="1" smtClean="0">
-                            <a:latin typeface="+mn-lt"/>
+                            <a:latin typeface="Cambria Math" panose="02040503050406030204" pitchFamily="18" charset="0"/>
                           </a:rPr>
                           <m:t>𝑛</m:t>
                         </m:r>
@@ -17268,13 +17272,13 @@
                   <m:oMath xmlns:m="http://schemas.openxmlformats.org/officeDocument/2006/math">
                     <m:r>
                       <a:rPr lang="en-US" sz="1600" b="0" i="1" smtClean="0">
-                        <a:latin typeface="+mn-lt"/>
+                        <a:latin typeface="Cambria Math" panose="02040503050406030204" pitchFamily="18" charset="0"/>
                       </a:rPr>
                       <m:t>𝜈</m:t>
                     </m:r>
                     <m:r>
                       <a:rPr lang="en-US" sz="1600" b="0" i="1" smtClean="0">
-                        <a:latin typeface="+mn-lt"/>
+                        <a:latin typeface="Cambria Math" panose="02040503050406030204" pitchFamily="18" charset="0"/>
                       </a:rPr>
                       <m:t> </m:t>
                     </m:r>
@@ -17304,14 +17308,14 @@
                       <m:sSubPr>
                         <m:ctrlPr>
                           <a:rPr lang="en-US" sz="1600" b="0" i="1" smtClean="0">
-                            <a:latin typeface="+mn-lt"/>
+                            <a:latin typeface="Cambria Math" panose="02040503050406030204" pitchFamily="18" charset="0"/>
                           </a:rPr>
                         </m:ctrlPr>
                       </m:sSubPr>
                       <m:e>
                         <m:r>
                           <a:rPr lang="en-US" sz="1600" b="0" i="1" smtClean="0">
-                            <a:latin typeface="+mn-lt"/>
+                            <a:latin typeface="Cambria Math" panose="02040503050406030204" pitchFamily="18" charset="0"/>
                           </a:rPr>
                           <m:t>𝑊</m:t>
                         </m:r>
@@ -17319,7 +17323,7 @@
                       <m:sub>
                         <m:r>
                           <a:rPr lang="en-US" sz="1600" b="0" i="1" smtClean="0">
-                            <a:latin typeface="+mn-lt"/>
+                            <a:latin typeface="Cambria Math" panose="02040503050406030204" pitchFamily="18" charset="0"/>
                           </a:rPr>
                           <m:t>1</m:t>
                         </m:r>
@@ -17329,14 +17333,14 @@
                       <m:dPr>
                         <m:ctrlPr>
                           <a:rPr lang="en-US" sz="1600" b="0" i="1" smtClean="0">
-                            <a:latin typeface="+mn-lt"/>
+                            <a:latin typeface="Cambria Math" panose="02040503050406030204" pitchFamily="18" charset="0"/>
                           </a:rPr>
                         </m:ctrlPr>
                       </m:dPr>
                       <m:e>
                         <m:r>
                           <a:rPr lang="en-US" sz="1600" b="0" i="1" smtClean="0">
-                            <a:latin typeface="+mn-lt"/>
+                            <a:latin typeface="Cambria Math" panose="02040503050406030204" pitchFamily="18" charset="0"/>
                           </a:rPr>
                           <m:t>𝜈</m:t>
                         </m:r>
@@ -17344,7 +17348,7 @@
                     </m:d>
                     <m:r>
                       <a:rPr lang="en-US" sz="1600" b="0" i="1" smtClean="0">
-                        <a:latin typeface="+mn-lt"/>
+                        <a:latin typeface="Cambria Math" panose="02040503050406030204" pitchFamily="18" charset="0"/>
                       </a:rPr>
                       <m:t>,</m:t>
                     </m:r>
@@ -17352,14 +17356,14 @@
                       <m:sSubPr>
                         <m:ctrlPr>
                           <a:rPr lang="en-US" sz="1600" b="0" i="1" smtClean="0">
-                            <a:latin typeface="+mn-lt"/>
+                            <a:latin typeface="Cambria Math" panose="02040503050406030204" pitchFamily="18" charset="0"/>
                           </a:rPr>
                         </m:ctrlPr>
                       </m:sSubPr>
                       <m:e>
                         <m:r>
                           <a:rPr lang="en-US" sz="1600" b="0" i="1" smtClean="0">
-                            <a:latin typeface="+mn-lt"/>
+                            <a:latin typeface="Cambria Math" panose="02040503050406030204" pitchFamily="18" charset="0"/>
                           </a:rPr>
                           <m:t>𝑊</m:t>
                         </m:r>
@@ -17367,7 +17371,7 @@
                       <m:sub>
                         <m:r>
                           <a:rPr lang="en-US" sz="1600" b="0" i="1" smtClean="0">
-                            <a:latin typeface="+mn-lt"/>
+                            <a:latin typeface="Cambria Math" panose="02040503050406030204" pitchFamily="18" charset="0"/>
                           </a:rPr>
                           <m:t>2</m:t>
                         </m:r>
@@ -17377,14 +17381,14 @@
                       <m:dPr>
                         <m:ctrlPr>
                           <a:rPr lang="en-US" sz="1600" b="0" i="1" smtClean="0">
-                            <a:latin typeface="+mn-lt"/>
+                            <a:latin typeface="Cambria Math" panose="02040503050406030204" pitchFamily="18" charset="0"/>
                           </a:rPr>
                         </m:ctrlPr>
                       </m:dPr>
                       <m:e>
                         <m:r>
                           <a:rPr lang="en-US" sz="1600" b="0" i="1" smtClean="0">
-                            <a:latin typeface="+mn-lt"/>
+                            <a:latin typeface="Cambria Math" panose="02040503050406030204" pitchFamily="18" charset="0"/>
                           </a:rPr>
                           <m:t>𝜈</m:t>
                         </m:r>
@@ -17392,7 +17396,7 @@
                     </m:d>
                     <m:r>
                       <a:rPr lang="en-US" sz="1600" b="0" i="1" smtClean="0">
-                        <a:latin typeface="+mn-lt"/>
+                        <a:latin typeface="Cambria Math" panose="02040503050406030204" pitchFamily="18" charset="0"/>
                       </a:rPr>
                       <m:t>…</m:t>
                     </m:r>
@@ -17461,13 +17465,7 @@
                       <a:rPr lang="en-US" sz="1600" b="0" i="1" smtClean="0">
                         <a:latin typeface="Cambria Math" panose="02040503050406030204" pitchFamily="18" charset="0"/>
                       </a:rPr>
-                      <m:t>,</m:t>
-                    </m:r>
-                    <m:r>
-                      <a:rPr lang="en-US" sz="1600" b="0" i="1" smtClean="0">
-                        <a:latin typeface="Cambria Math" panose="02040503050406030204" pitchFamily="18" charset="0"/>
-                      </a:rPr>
-                      <m:t> </m:t>
+                      <m:t>, </m:t>
                     </m:r>
                     <m:sSub>
                       <m:sSubPr>
@@ -17715,7 +17713,7 @@
             </p:txBody>
           </p:sp>
         </mc:Choice>
-        <mc:Fallback>
+        <mc:Fallback xmlns="">
           <p:sp>
             <p:nvSpPr>
               <p:cNvPr id="7" name="TextBox 6">
@@ -17848,7 +17846,7 @@
             </p:spPr>
             <p:txBody>
               <a:bodyPr>
-                <a:normAutofit fontScale="92500" lnSpcReduction="10000"/>
+                <a:normAutofit fontScale="85000" lnSpcReduction="10000"/>
               </a:bodyPr>
               <a:lstStyle/>
               <a:p>
@@ -17930,7 +17928,7 @@
                 </a14:m>
                 <a:r>
                   <a:rPr lang="en-US" dirty="0"/>
-                  <a:t> raise </a:t>
+                  <a:t> raises </a:t>
                 </a:r>
                 <a14:m>
                   <m:oMath xmlns:m="http://schemas.openxmlformats.org/officeDocument/2006/math">
@@ -17944,21 +17942,13 @@
                 </a14:m>
                 <a:r>
                   <a:rPr lang="en-US" dirty="0"/>
-                  <a:t>?</a:t>
+                  <a:t> – i.e. intensifies status competitions.</a:t>
                 </a:r>
               </a:p>
               <a:p>
                 <a:r>
                   <a:rPr lang="en-US" dirty="0"/>
-                  <a:t>What are the conditions and implications </a:t>
-                </a:r>
-                <a:r>
-                  <a:rPr lang="en-US"/>
-                  <a:t>of a long-term </a:t>
-                </a:r>
-                <a:r>
-                  <a:rPr lang="en-US" dirty="0"/>
-                  <a:t>equilibria?</a:t>
+                  <a:t>What are the conditions and implications of a long-term equilibria?</a:t>
                 </a:r>
                 <a:endParaRPr lang="en-GB" dirty="0"/>
               </a:p>
@@ -17990,7 +17980,7 @@
               <a:blipFill>
                 <a:blip r:embed="rId2"/>
                 <a:stretch>
-                  <a:fillRect l="-610" t="-6075" b="-4673"/>
+                  <a:fillRect l="-534" t="-6542"/>
                 </a:stretch>
               </a:blipFill>
             </p:spPr>
@@ -18112,6 +18102,1167 @@
           <p:cNvPr id="2" name="Title 1">
             <a:extLst>
               <a:ext uri="{FF2B5EF4-FFF2-40B4-BE49-F238E27FC236}">
+                <a16:creationId xmlns:a16="http://schemas.microsoft.com/office/drawing/2014/main" id="{5D8EC47C-EBB7-F601-7913-D39D038C4BAC}"/>
+              </a:ext>
+            </a:extLst>
+          </p:cNvPr>
+          <p:cNvSpPr>
+            <a:spLocks noGrp="1"/>
+          </p:cNvSpPr>
+          <p:nvPr>
+            <p:ph type="title"/>
+          </p:nvPr>
+        </p:nvSpPr>
+        <p:spPr/>
+        <p:txBody>
+          <a:bodyPr/>
+          <a:lstStyle/>
+          <a:p>
+            <a:r>
+              <a:rPr lang="en-US" dirty="0"/>
+              <a:t>Solution for short-term </a:t>
+            </a:r>
+            <a:r>
+              <a:rPr lang="en-US" dirty="0" err="1"/>
+              <a:t>equilibiria</a:t>
+            </a:r>
+            <a:endParaRPr lang="en-GB" dirty="0"/>
+          </a:p>
+        </p:txBody>
+      </p:sp>
+      <p:sp>
+        <p:nvSpPr>
+          <p:cNvPr id="4" name="Slide Number Placeholder 3">
+            <a:extLst>
+              <a:ext uri="{FF2B5EF4-FFF2-40B4-BE49-F238E27FC236}">
+                <a16:creationId xmlns:a16="http://schemas.microsoft.com/office/drawing/2014/main" id="{7A518017-3678-75FF-9DEA-4FB587C5FF7E}"/>
+              </a:ext>
+            </a:extLst>
+          </p:cNvPr>
+          <p:cNvSpPr>
+            <a:spLocks noGrp="1"/>
+          </p:cNvSpPr>
+          <p:nvPr>
+            <p:ph type="sldNum" sz="quarter" idx="12"/>
+          </p:nvPr>
+        </p:nvSpPr>
+        <p:spPr/>
+        <p:txBody>
+          <a:bodyPr/>
+          <a:lstStyle/>
+          <a:p>
+            <a:pPr>
+              <a:defRPr/>
+            </a:pPr>
+            <a:fld id="{8E35B453-7314-4BBD-9303-11C6BECC4B0D}" type="slidenum">
+              <a:rPr lang="en-GB" altLang="en-US" smtClean="0"/>
+              <a:pPr>
+                <a:defRPr/>
+              </a:pPr>
+              <a:t>5</a:t>
+            </a:fld>
+            <a:endParaRPr lang="en-GB" altLang="en-US" dirty="0"/>
+          </a:p>
+        </p:txBody>
+      </p:sp>
+      <p:pic>
+        <p:nvPicPr>
+          <p:cNvPr id="6" name="Picture 5">
+            <a:extLst>
+              <a:ext uri="{FF2B5EF4-FFF2-40B4-BE49-F238E27FC236}">
+                <a16:creationId xmlns:a16="http://schemas.microsoft.com/office/drawing/2014/main" id="{316AE8EE-D1AB-E21E-C440-25F296FCA57B}"/>
+              </a:ext>
+            </a:extLst>
+          </p:cNvPr>
+          <p:cNvPicPr>
+            <a:picLocks noChangeAspect="1"/>
+          </p:cNvPicPr>
+          <p:nvPr/>
+        </p:nvPicPr>
+        <p:blipFill>
+          <a:blip r:embed="rId2"/>
+          <a:stretch>
+            <a:fillRect/>
+          </a:stretch>
+        </p:blipFill>
+        <p:spPr>
+          <a:xfrm>
+            <a:off x="204228" y="1053814"/>
+            <a:ext cx="3276600" cy="640333"/>
+          </a:xfrm>
+          <a:prstGeom prst="rect">
+            <a:avLst/>
+          </a:prstGeom>
+        </p:spPr>
+      </p:pic>
+      <p:pic>
+        <p:nvPicPr>
+          <p:cNvPr id="8" name="Picture 7">
+            <a:extLst>
+              <a:ext uri="{FF2B5EF4-FFF2-40B4-BE49-F238E27FC236}">
+                <a16:creationId xmlns:a16="http://schemas.microsoft.com/office/drawing/2014/main" id="{2C580D77-6191-E399-DA86-03B368FB9030}"/>
+              </a:ext>
+            </a:extLst>
+          </p:cNvPr>
+          <p:cNvPicPr>
+            <a:picLocks noChangeAspect="1"/>
+          </p:cNvPicPr>
+          <p:nvPr/>
+        </p:nvPicPr>
+        <p:blipFill>
+          <a:blip r:embed="rId3"/>
+          <a:stretch>
+            <a:fillRect/>
+          </a:stretch>
+        </p:blipFill>
+        <p:spPr>
+          <a:xfrm>
+            <a:off x="190781" y="1704975"/>
+            <a:ext cx="3800475" cy="3305175"/>
+          </a:xfrm>
+          <a:prstGeom prst="rect">
+            <a:avLst/>
+          </a:prstGeom>
+        </p:spPr>
+      </p:pic>
+      <p:pic>
+        <p:nvPicPr>
+          <p:cNvPr id="10" name="Picture 9">
+            <a:extLst>
+              <a:ext uri="{FF2B5EF4-FFF2-40B4-BE49-F238E27FC236}">
+                <a16:creationId xmlns:a16="http://schemas.microsoft.com/office/drawing/2014/main" id="{D6BEEAAF-1439-6FBB-781A-55DD6EEC895A}"/>
+              </a:ext>
+            </a:extLst>
+          </p:cNvPr>
+          <p:cNvPicPr>
+            <a:picLocks noChangeAspect="1"/>
+          </p:cNvPicPr>
+          <p:nvPr/>
+        </p:nvPicPr>
+        <p:blipFill>
+          <a:blip r:embed="rId4"/>
+          <a:stretch>
+            <a:fillRect/>
+          </a:stretch>
+        </p:blipFill>
+        <p:spPr>
+          <a:xfrm>
+            <a:off x="4572000" y="2266950"/>
+            <a:ext cx="3581400" cy="857250"/>
+          </a:xfrm>
+          <a:prstGeom prst="rect">
+            <a:avLst/>
+          </a:prstGeom>
+        </p:spPr>
+      </p:pic>
+      <p:pic>
+        <p:nvPicPr>
+          <p:cNvPr id="12" name="Picture 11">
+            <a:extLst>
+              <a:ext uri="{FF2B5EF4-FFF2-40B4-BE49-F238E27FC236}">
+                <a16:creationId xmlns:a16="http://schemas.microsoft.com/office/drawing/2014/main" id="{859821C3-2916-2036-5C2E-B8A5DAC88238}"/>
+              </a:ext>
+            </a:extLst>
+          </p:cNvPr>
+          <p:cNvPicPr>
+            <a:picLocks noChangeAspect="1"/>
+          </p:cNvPicPr>
+          <p:nvPr/>
+        </p:nvPicPr>
+        <p:blipFill>
+          <a:blip r:embed="rId5"/>
+          <a:stretch>
+            <a:fillRect/>
+          </a:stretch>
+        </p:blipFill>
+        <p:spPr>
+          <a:xfrm>
+            <a:off x="4572000" y="3124200"/>
+            <a:ext cx="3914775" cy="1714500"/>
+          </a:xfrm>
+          <a:prstGeom prst="rect">
+            <a:avLst/>
+          </a:prstGeom>
+        </p:spPr>
+      </p:pic>
+    </p:spTree>
+    <p:extLst>
+      <p:ext uri="{BB962C8B-B14F-4D97-AF65-F5344CB8AC3E}">
+        <p14:creationId xmlns:p14="http://schemas.microsoft.com/office/powerpoint/2010/main" val="3718383594"/>
+      </p:ext>
+    </p:extLst>
+  </p:cSld>
+  <p:clrMapOvr>
+    <a:masterClrMapping/>
+  </p:clrMapOvr>
+  <p:transition>
+    <p:fade/>
+  </p:transition>
+</p:sld>
+</file>
+
+<file path=ppt/slides/slide6.xml><?xml version="1.0" encoding="utf-8"?>
+<p:sld xmlns:a="http://schemas.openxmlformats.org/drawingml/2006/main" xmlns:r="http://schemas.openxmlformats.org/officeDocument/2006/relationships" xmlns:p="http://schemas.openxmlformats.org/presentationml/2006/main">
+  <p:cSld>
+    <p:spTree>
+      <p:nvGrpSpPr>
+        <p:cNvPr id="1" name=""/>
+        <p:cNvGrpSpPr/>
+        <p:nvPr/>
+      </p:nvGrpSpPr>
+      <p:grpSpPr>
+        <a:xfrm>
+          <a:off x="0" y="0"/>
+          <a:ext cx="0" cy="0"/>
+          <a:chOff x="0" y="0"/>
+          <a:chExt cx="0" cy="0"/>
+        </a:xfrm>
+      </p:grpSpPr>
+      <p:sp>
+        <p:nvSpPr>
+          <p:cNvPr id="2" name="Title 1">
+            <a:extLst>
+              <a:ext uri="{FF2B5EF4-FFF2-40B4-BE49-F238E27FC236}">
+                <a16:creationId xmlns:a16="http://schemas.microsoft.com/office/drawing/2014/main" id="{F55A5980-D7DF-E540-CDAF-BD3218D299BD}"/>
+              </a:ext>
+            </a:extLst>
+          </p:cNvPr>
+          <p:cNvSpPr>
+            <a:spLocks noGrp="1"/>
+          </p:cNvSpPr>
+          <p:nvPr>
+            <p:ph type="title"/>
+          </p:nvPr>
+        </p:nvSpPr>
+        <p:spPr/>
+        <p:txBody>
+          <a:bodyPr/>
+          <a:lstStyle/>
+          <a:p>
+            <a:r>
+              <a:rPr lang="en-US" dirty="0"/>
+              <a:t>Long-term equilibrium</a:t>
+            </a:r>
+            <a:endParaRPr lang="en-GB" dirty="0"/>
+          </a:p>
+        </p:txBody>
+      </p:sp>
+      <mc:AlternateContent xmlns:mc="http://schemas.openxmlformats.org/markup-compatibility/2006">
+        <mc:Choice xmlns:a14="http://schemas.microsoft.com/office/drawing/2010/main" Requires="a14">
+          <p:sp>
+            <p:nvSpPr>
+              <p:cNvPr id="3" name="Content Placeholder 2">
+                <a:extLst>
+                  <a:ext uri="{FF2B5EF4-FFF2-40B4-BE49-F238E27FC236}">
+                    <a16:creationId xmlns:a16="http://schemas.microsoft.com/office/drawing/2014/main" id="{E7B0E632-AE6E-7E17-F76D-C94ADCE2A66C}"/>
+                  </a:ext>
+                </a:extLst>
+              </p:cNvPr>
+              <p:cNvSpPr>
+                <a:spLocks noGrp="1"/>
+              </p:cNvSpPr>
+              <p:nvPr>
+                <p:ph idx="1"/>
+              </p:nvPr>
+            </p:nvSpPr>
+            <p:spPr/>
+            <p:txBody>
+              <a:bodyPr/>
+              <a:lstStyle/>
+              <a:p>
+                <a:endParaRPr lang="en-US" dirty="0"/>
+              </a:p>
+              <a:p>
+                <a:r>
+                  <a:rPr lang="en-US" dirty="0"/>
+                  <a:t>Two desirable conditions for the long-term equilibrium to prevail</a:t>
+                </a:r>
+              </a:p>
+              <a:p>
+                <a:pPr marL="685800" lvl="1" indent="-342900">
+                  <a:buFont typeface="+mj-lt"/>
+                  <a:buAutoNum type="arabicPeriod"/>
+                </a:pPr>
+                <a:r>
+                  <a:rPr lang="en-US" dirty="0"/>
+                  <a:t>The population of the bands remains the same - the consumers gaining promotion would be balanced by those getting demoted. In a two band economy, </a:t>
+                </a:r>
+                <a14:m>
+                  <m:oMath xmlns:m="http://schemas.openxmlformats.org/officeDocument/2006/math">
+                    <m:sSub>
+                      <m:sSubPr>
+                        <m:ctrlPr>
+                          <a:rPr lang="en-US" sz="1800" b="0" i="0" smtClean="0">
+                            <a:latin typeface="Cambria Math" panose="02040503050406030204" pitchFamily="18" charset="0"/>
+                          </a:rPr>
+                        </m:ctrlPr>
+                      </m:sSubPr>
+                      <m:e>
+                        <m:r>
+                          <m:rPr>
+                            <m:sty m:val="p"/>
+                          </m:rPr>
+                          <a:rPr lang="en-US" sz="1800" b="0" i="0" smtClean="0">
+                            <a:latin typeface="Cambria Math" panose="02040503050406030204" pitchFamily="18" charset="0"/>
+                          </a:rPr>
+                          <m:t>W</m:t>
+                        </m:r>
+                      </m:e>
+                      <m:sub>
+                        <m:r>
+                          <a:rPr lang="en-US" sz="1800" b="0" i="0" smtClean="0">
+                            <a:latin typeface="Cambria Math" panose="02040503050406030204" pitchFamily="18" charset="0"/>
+                          </a:rPr>
+                          <m:t>1</m:t>
+                        </m:r>
+                      </m:sub>
+                    </m:sSub>
+                    <m:d>
+                      <m:dPr>
+                        <m:ctrlPr>
+                          <a:rPr lang="en-US" sz="1800" b="0" i="1" smtClean="0">
+                            <a:latin typeface="Cambria Math" panose="02040503050406030204" pitchFamily="18" charset="0"/>
+                          </a:rPr>
+                        </m:ctrlPr>
+                      </m:dPr>
+                      <m:e>
+                        <m:sSub>
+                          <m:sSubPr>
+                            <m:ctrlPr>
+                              <a:rPr lang="en-US" sz="1800" b="0" i="1" smtClean="0">
+                                <a:latin typeface="Cambria Math" panose="02040503050406030204" pitchFamily="18" charset="0"/>
+                              </a:rPr>
+                            </m:ctrlPr>
+                          </m:sSubPr>
+                          <m:e>
+                            <m:r>
+                              <a:rPr lang="en-US" sz="1800" b="0" i="1" smtClean="0">
+                                <a:latin typeface="Cambria Math" panose="02040503050406030204" pitchFamily="18" charset="0"/>
+                              </a:rPr>
+                              <m:t>𝜈</m:t>
+                            </m:r>
+                          </m:e>
+                          <m:sub>
+                            <m:r>
+                              <a:rPr lang="en-US" sz="1800" b="0" i="1" smtClean="0">
+                                <a:latin typeface="Cambria Math" panose="02040503050406030204" pitchFamily="18" charset="0"/>
+                              </a:rPr>
+                              <m:t>1</m:t>
+                            </m:r>
+                          </m:sub>
+                        </m:sSub>
+                      </m:e>
+                    </m:d>
+                    <m:r>
+                      <a:rPr lang="en-US" sz="1800" b="0" i="1" smtClean="0">
+                        <a:latin typeface="Cambria Math" panose="02040503050406030204" pitchFamily="18" charset="0"/>
+                      </a:rPr>
+                      <m:t>=</m:t>
+                    </m:r>
+                    <m:sSub>
+                      <m:sSubPr>
+                        <m:ctrlPr>
+                          <a:rPr lang="en-US" sz="1800" b="0" i="1" smtClean="0">
+                            <a:latin typeface="Cambria Math" panose="02040503050406030204" pitchFamily="18" charset="0"/>
+                          </a:rPr>
+                        </m:ctrlPr>
+                      </m:sSubPr>
+                      <m:e>
+                        <m:r>
+                          <a:rPr lang="en-US" sz="1800" b="0" i="1" smtClean="0">
+                            <a:latin typeface="Cambria Math" panose="02040503050406030204" pitchFamily="18" charset="0"/>
+                          </a:rPr>
+                          <m:t>𝐿</m:t>
+                        </m:r>
+                      </m:e>
+                      <m:sub>
+                        <m:r>
+                          <a:rPr lang="en-US" sz="1800" b="0" i="1" smtClean="0">
+                            <a:latin typeface="Cambria Math" panose="02040503050406030204" pitchFamily="18" charset="0"/>
+                          </a:rPr>
+                          <m:t>2</m:t>
+                        </m:r>
+                      </m:sub>
+                    </m:sSub>
+                    <m:r>
+                      <a:rPr lang="en-US" sz="1800" b="0" i="1" smtClean="0">
+                        <a:latin typeface="Cambria Math" panose="02040503050406030204" pitchFamily="18" charset="0"/>
+                      </a:rPr>
+                      <m:t>(</m:t>
+                    </m:r>
+                    <m:sSub>
+                      <m:sSubPr>
+                        <m:ctrlPr>
+                          <a:rPr lang="en-US" sz="1800" b="0" i="1" smtClean="0">
+                            <a:latin typeface="Cambria Math" panose="02040503050406030204" pitchFamily="18" charset="0"/>
+                          </a:rPr>
+                        </m:ctrlPr>
+                      </m:sSubPr>
+                      <m:e>
+                        <m:r>
+                          <a:rPr lang="en-US" sz="1800" b="0" i="1" smtClean="0">
+                            <a:latin typeface="Cambria Math" panose="02040503050406030204" pitchFamily="18" charset="0"/>
+                          </a:rPr>
+                          <m:t>𝜈</m:t>
+                        </m:r>
+                      </m:e>
+                      <m:sub>
+                        <m:r>
+                          <a:rPr lang="en-US" sz="1800" b="0" i="1" smtClean="0">
+                            <a:latin typeface="Cambria Math" panose="02040503050406030204" pitchFamily="18" charset="0"/>
+                          </a:rPr>
+                          <m:t>2</m:t>
+                        </m:r>
+                      </m:sub>
+                    </m:sSub>
+                    <m:r>
+                      <a:rPr lang="en-US" sz="1800" b="0" i="1" smtClean="0">
+                        <a:latin typeface="Cambria Math" panose="02040503050406030204" pitchFamily="18" charset="0"/>
+                      </a:rPr>
+                      <m:t>)</m:t>
+                    </m:r>
+                  </m:oMath>
+                </a14:m>
+                <a:endParaRPr lang="en-GB" sz="1800" dirty="0">
+                  <a:latin typeface="+mn-lt"/>
+                </a:endParaRPr>
+              </a:p>
+              <a:p>
+                <a:pPr marL="685800" lvl="1" indent="-342900">
+                  <a:buFont typeface="+mj-lt"/>
+                  <a:buAutoNum type="arabicPeriod"/>
+                </a:pPr>
+                <a:r>
+                  <a:rPr lang="en-GB" dirty="0"/>
+                  <a:t>The consumers should not withdraw from the long-term equilibrium completely </a:t>
+                </a:r>
+                <a:r>
+                  <a:rPr lang="en-GB" sz="1800" dirty="0">
+                    <a:latin typeface="+mn-lt"/>
+                  </a:rPr>
+                  <a:t> so that </a:t>
+                </a:r>
+                <a14:m>
+                  <m:oMath xmlns:m="http://schemas.openxmlformats.org/officeDocument/2006/math">
+                    <m:sSub>
+                      <m:sSubPr>
+                        <m:ctrlPr>
+                          <a:rPr lang="en-US" sz="1800" b="0" i="1" smtClean="0">
+                            <a:latin typeface="Cambria Math" panose="02040503050406030204" pitchFamily="18" charset="0"/>
+                          </a:rPr>
+                        </m:ctrlPr>
+                      </m:sSubPr>
+                      <m:e>
+                        <m:r>
+                          <a:rPr lang="en-US" sz="1800" b="0" i="1" smtClean="0">
+                            <a:latin typeface="Cambria Math" panose="02040503050406030204" pitchFamily="18" charset="0"/>
+                          </a:rPr>
+                          <m:t>𝜈</m:t>
+                        </m:r>
+                      </m:e>
+                      <m:sub>
+                        <m:r>
+                          <a:rPr lang="en-US" sz="1800" b="0" i="1" smtClean="0">
+                            <a:latin typeface="Cambria Math" panose="02040503050406030204" pitchFamily="18" charset="0"/>
+                          </a:rPr>
+                          <m:t>1</m:t>
+                        </m:r>
+                      </m:sub>
+                    </m:sSub>
+                    <m:r>
+                      <a:rPr lang="en-US" sz="1800" b="0" i="1" smtClean="0">
+                        <a:latin typeface="Cambria Math" panose="02040503050406030204" pitchFamily="18" charset="0"/>
+                      </a:rPr>
+                      <m:t>&gt;0</m:t>
+                    </m:r>
+                  </m:oMath>
+                </a14:m>
+                <a:r>
+                  <a:rPr lang="en-GB" dirty="0"/>
+                  <a:t> and </a:t>
+                </a:r>
+                <a14:m>
+                  <m:oMath xmlns:m="http://schemas.openxmlformats.org/officeDocument/2006/math">
+                    <m:sSub>
+                      <m:sSubPr>
+                        <m:ctrlPr>
+                          <a:rPr lang="en-US" b="0" i="1" smtClean="0">
+                            <a:latin typeface="Cambria Math" panose="02040503050406030204" pitchFamily="18" charset="0"/>
+                          </a:rPr>
+                        </m:ctrlPr>
+                      </m:sSubPr>
+                      <m:e>
+                        <m:r>
+                          <a:rPr lang="en-US" i="1">
+                            <a:latin typeface="Cambria Math" panose="02040503050406030204" pitchFamily="18" charset="0"/>
+                          </a:rPr>
+                          <m:t>𝜈</m:t>
+                        </m:r>
+                      </m:e>
+                      <m:sub>
+                        <m:r>
+                          <a:rPr lang="en-US" b="0" i="1" smtClean="0">
+                            <a:latin typeface="Cambria Math" panose="02040503050406030204" pitchFamily="18" charset="0"/>
+                          </a:rPr>
+                          <m:t>2</m:t>
+                        </m:r>
+                      </m:sub>
+                    </m:sSub>
+                    <m:r>
+                      <a:rPr lang="en-US" b="0" i="1" smtClean="0">
+                        <a:latin typeface="Cambria Math" panose="02040503050406030204" pitchFamily="18" charset="0"/>
+                      </a:rPr>
+                      <m:t>&gt;0</m:t>
+                    </m:r>
+                  </m:oMath>
+                </a14:m>
+                <a:endParaRPr lang="en-GB" dirty="0"/>
+              </a:p>
+              <a:p>
+                <a:r>
+                  <a:rPr lang="en-US" dirty="0"/>
+                  <a:t>The equilibrium cannot exist if the accumulated wealth is not at risk (i.e. it’s accumulation is not bounded)</a:t>
+                </a:r>
+                <a:endParaRPr lang="en-GB" dirty="0"/>
+              </a:p>
+            </p:txBody>
+          </p:sp>
+        </mc:Choice>
+        <mc:Fallback>
+          <p:sp>
+            <p:nvSpPr>
+              <p:cNvPr id="3" name="Content Placeholder 2">
+                <a:extLst>
+                  <a:ext uri="{FF2B5EF4-FFF2-40B4-BE49-F238E27FC236}">
+                    <a16:creationId xmlns:a16="http://schemas.microsoft.com/office/drawing/2014/main" id="{E7B0E632-AE6E-7E17-F76D-C94ADCE2A66C}"/>
+                  </a:ext>
+                </a:extLst>
+              </p:cNvPr>
+              <p:cNvSpPr>
+                <a:spLocks noGrp="1" noRot="1" noChangeAspect="1" noMove="1" noResize="1" noEditPoints="1" noAdjustHandles="1" noChangeArrowheads="1" noChangeShapeType="1" noTextEdit="1"/>
+              </p:cNvSpPr>
+              <p:nvPr>
+                <p:ph idx="1"/>
+              </p:nvPr>
+            </p:nvSpPr>
+            <p:spPr>
+              <a:blipFill>
+                <a:blip r:embed="rId2"/>
+                <a:stretch>
+                  <a:fillRect l="-773"/>
+                </a:stretch>
+              </a:blipFill>
+            </p:spPr>
+            <p:txBody>
+              <a:bodyPr/>
+              <a:lstStyle/>
+              <a:p>
+                <a:r>
+                  <a:rPr lang="en-GB">
+                    <a:noFill/>
+                  </a:rPr>
+                  <a:t> </a:t>
+                </a:r>
+              </a:p>
+            </p:txBody>
+          </p:sp>
+        </mc:Fallback>
+      </mc:AlternateContent>
+      <p:sp>
+        <p:nvSpPr>
+          <p:cNvPr id="4" name="Slide Number Placeholder 3">
+            <a:extLst>
+              <a:ext uri="{FF2B5EF4-FFF2-40B4-BE49-F238E27FC236}">
+                <a16:creationId xmlns:a16="http://schemas.microsoft.com/office/drawing/2014/main" id="{FC1E5C84-EA2F-EAE9-ED58-0F4E8EE094B4}"/>
+              </a:ext>
+            </a:extLst>
+          </p:cNvPr>
+          <p:cNvSpPr>
+            <a:spLocks noGrp="1"/>
+          </p:cNvSpPr>
+          <p:nvPr>
+            <p:ph type="sldNum" sz="quarter" idx="12"/>
+          </p:nvPr>
+        </p:nvSpPr>
+        <p:spPr/>
+        <p:txBody>
+          <a:bodyPr/>
+          <a:lstStyle/>
+          <a:p>
+            <a:pPr>
+              <a:defRPr/>
+            </a:pPr>
+            <a:fld id="{8E35B453-7314-4BBD-9303-11C6BECC4B0D}" type="slidenum">
+              <a:rPr lang="en-GB" altLang="en-US" smtClean="0"/>
+              <a:pPr>
+                <a:defRPr/>
+              </a:pPr>
+              <a:t>6</a:t>
+            </a:fld>
+            <a:endParaRPr lang="en-GB" altLang="en-US" dirty="0"/>
+          </a:p>
+        </p:txBody>
+      </p:sp>
+    </p:spTree>
+    <p:extLst>
+      <p:ext uri="{BB962C8B-B14F-4D97-AF65-F5344CB8AC3E}">
+        <p14:creationId xmlns:p14="http://schemas.microsoft.com/office/powerpoint/2010/main" val="2040133385"/>
+      </p:ext>
+    </p:extLst>
+  </p:cSld>
+  <p:clrMapOvr>
+    <a:masterClrMapping/>
+  </p:clrMapOvr>
+  <p:transition>
+    <p:fade/>
+  </p:transition>
+</p:sld>
+</file>
+
+<file path=ppt/slides/slide7.xml><?xml version="1.0" encoding="utf-8"?>
+<p:sld xmlns:a="http://schemas.openxmlformats.org/drawingml/2006/main" xmlns:r="http://schemas.openxmlformats.org/officeDocument/2006/relationships" xmlns:p="http://schemas.openxmlformats.org/presentationml/2006/main">
+  <p:cSld>
+    <p:spTree>
+      <p:nvGrpSpPr>
+        <p:cNvPr id="1" name=""/>
+        <p:cNvGrpSpPr/>
+        <p:nvPr/>
+      </p:nvGrpSpPr>
+      <p:grpSpPr>
+        <a:xfrm>
+          <a:off x="0" y="0"/>
+          <a:ext cx="0" cy="0"/>
+          <a:chOff x="0" y="0"/>
+          <a:chExt cx="0" cy="0"/>
+        </a:xfrm>
+      </p:grpSpPr>
+      <p:sp>
+        <p:nvSpPr>
+          <p:cNvPr id="2" name="Title 1">
+            <a:extLst>
+              <a:ext uri="{FF2B5EF4-FFF2-40B4-BE49-F238E27FC236}">
+                <a16:creationId xmlns:a16="http://schemas.microsoft.com/office/drawing/2014/main" id="{FE5772C3-F318-658E-8493-8C169AB010EA}"/>
+              </a:ext>
+            </a:extLst>
+          </p:cNvPr>
+          <p:cNvSpPr>
+            <a:spLocks noGrp="1"/>
+          </p:cNvSpPr>
+          <p:nvPr>
+            <p:ph type="title"/>
+          </p:nvPr>
+        </p:nvSpPr>
+        <p:spPr/>
+        <p:txBody>
+          <a:bodyPr/>
+          <a:lstStyle/>
+          <a:p>
+            <a:r>
+              <a:rPr lang="en-US" dirty="0"/>
+              <a:t>A two period equilibrium</a:t>
+            </a:r>
+            <a:endParaRPr lang="en-GB" dirty="0"/>
+          </a:p>
+        </p:txBody>
+      </p:sp>
+      <p:pic>
+        <p:nvPicPr>
+          <p:cNvPr id="6" name="Content Placeholder 5">
+            <a:extLst>
+              <a:ext uri="{FF2B5EF4-FFF2-40B4-BE49-F238E27FC236}">
+                <a16:creationId xmlns:a16="http://schemas.microsoft.com/office/drawing/2014/main" id="{21BEB065-1A75-3D5D-9376-95D7BB399E18}"/>
+              </a:ext>
+            </a:extLst>
+          </p:cNvPr>
+          <p:cNvPicPr>
+            <a:picLocks noGrp="1" noChangeAspect="1"/>
+          </p:cNvPicPr>
+          <p:nvPr>
+            <p:ph idx="1"/>
+          </p:nvPr>
+        </p:nvPicPr>
+        <p:blipFill>
+          <a:blip r:embed="rId2"/>
+          <a:stretch>
+            <a:fillRect/>
+          </a:stretch>
+        </p:blipFill>
+        <p:spPr>
+          <a:xfrm>
+            <a:off x="1524000" y="1123950"/>
+            <a:ext cx="5362575" cy="2466975"/>
+          </a:xfrm>
+        </p:spPr>
+      </p:pic>
+      <p:sp>
+        <p:nvSpPr>
+          <p:cNvPr id="4" name="Slide Number Placeholder 3">
+            <a:extLst>
+              <a:ext uri="{FF2B5EF4-FFF2-40B4-BE49-F238E27FC236}">
+                <a16:creationId xmlns:a16="http://schemas.microsoft.com/office/drawing/2014/main" id="{B8B488C0-CA84-E69E-CBAC-BFE9B54F361F}"/>
+              </a:ext>
+            </a:extLst>
+          </p:cNvPr>
+          <p:cNvSpPr>
+            <a:spLocks noGrp="1"/>
+          </p:cNvSpPr>
+          <p:nvPr>
+            <p:ph type="sldNum" sz="quarter" idx="12"/>
+          </p:nvPr>
+        </p:nvSpPr>
+        <p:spPr/>
+        <p:txBody>
+          <a:bodyPr/>
+          <a:lstStyle/>
+          <a:p>
+            <a:pPr>
+              <a:defRPr/>
+            </a:pPr>
+            <a:fld id="{8E35B453-7314-4BBD-9303-11C6BECC4B0D}" type="slidenum">
+              <a:rPr lang="en-GB" altLang="en-US" smtClean="0"/>
+              <a:pPr>
+                <a:defRPr/>
+              </a:pPr>
+              <a:t>7</a:t>
+            </a:fld>
+            <a:endParaRPr lang="en-GB" altLang="en-US" dirty="0"/>
+          </a:p>
+        </p:txBody>
+      </p:sp>
+      <mc:AlternateContent xmlns:mc="http://schemas.openxmlformats.org/markup-compatibility/2006">
+        <mc:Choice xmlns:a14="http://schemas.microsoft.com/office/drawing/2010/main" Requires="a14">
+          <p:sp>
+            <p:nvSpPr>
+              <p:cNvPr id="7" name="TextBox 6">
+                <a:extLst>
+                  <a:ext uri="{FF2B5EF4-FFF2-40B4-BE49-F238E27FC236}">
+                    <a16:creationId xmlns:a16="http://schemas.microsoft.com/office/drawing/2014/main" id="{DCAF572D-4351-2BC0-DEE1-E8B3C7F88C11}"/>
+                  </a:ext>
+                </a:extLst>
+              </p:cNvPr>
+              <p:cNvSpPr txBox="1"/>
+              <p:nvPr/>
+            </p:nvSpPr>
+            <p:spPr>
+              <a:xfrm>
+                <a:off x="628650" y="3717668"/>
+                <a:ext cx="7829550" cy="1323439"/>
+              </a:xfrm>
+              <a:prstGeom prst="rect">
+                <a:avLst/>
+              </a:prstGeom>
+              <a:noFill/>
+            </p:spPr>
+            <p:txBody>
+              <a:bodyPr wrap="square" rtlCol="0">
+                <a:spAutoFit/>
+              </a:bodyPr>
+              <a:lstStyle/>
+              <a:p>
+                <a:pPr marL="342900" indent="-342900">
+                  <a:buFont typeface="Arial" panose="020B0604020202020204" pitchFamily="34" charset="0"/>
+                  <a:buChar char="•"/>
+                </a:pPr>
+                <a:r>
+                  <a:rPr lang="en-US" dirty="0"/>
+                  <a:t>Since the </a:t>
+                </a:r>
+                <a14:m>
+                  <m:oMath xmlns:m="http://schemas.openxmlformats.org/officeDocument/2006/math">
+                    <m:sSub>
+                      <m:sSubPr>
+                        <m:ctrlPr>
+                          <a:rPr lang="en-US" sz="2000" b="0" i="1" smtClean="0">
+                            <a:latin typeface="Cambria Math" panose="02040503050406030204" pitchFamily="18" charset="0"/>
+                          </a:rPr>
+                        </m:ctrlPr>
+                      </m:sSubPr>
+                      <m:e>
+                        <m:r>
+                          <a:rPr lang="en-US" sz="2000" b="0" i="1" smtClean="0">
+                            <a:latin typeface="Cambria Math" panose="02040503050406030204" pitchFamily="18" charset="0"/>
+                          </a:rPr>
+                          <m:t>𝜈</m:t>
+                        </m:r>
+                      </m:e>
+                      <m:sub>
+                        <m:r>
+                          <a:rPr lang="en-US" sz="2000" b="0" i="1" smtClean="0">
+                            <a:latin typeface="Cambria Math" panose="02040503050406030204" pitchFamily="18" charset="0"/>
+                          </a:rPr>
+                          <m:t>1</m:t>
+                        </m:r>
+                      </m:sub>
+                    </m:sSub>
+                    <m:sSub>
+                      <m:sSubPr>
+                        <m:ctrlPr>
+                          <a:rPr lang="en-US" sz="2000" b="0" i="1" smtClean="0">
+                            <a:latin typeface="Cambria Math" panose="02040503050406030204" pitchFamily="18" charset="0"/>
+                          </a:rPr>
+                        </m:ctrlPr>
+                      </m:sSubPr>
+                      <m:e>
+                        <m:r>
+                          <a:rPr lang="en-US" sz="2000" b="0" i="1" smtClean="0">
+                            <a:latin typeface="Cambria Math" panose="02040503050406030204" pitchFamily="18" charset="0"/>
+                          </a:rPr>
+                          <m:t>,</m:t>
+                        </m:r>
+                        <m:r>
+                          <a:rPr lang="en-US" sz="2000" b="0" i="1" smtClean="0">
+                            <a:latin typeface="Cambria Math" panose="02040503050406030204" pitchFamily="18" charset="0"/>
+                          </a:rPr>
+                          <m:t>𝜈</m:t>
+                        </m:r>
+                      </m:e>
+                      <m:sub>
+                        <m:r>
+                          <a:rPr lang="en-US" sz="2000" b="0" i="1" smtClean="0">
+                            <a:latin typeface="Cambria Math" panose="02040503050406030204" pitchFamily="18" charset="0"/>
+                          </a:rPr>
+                          <m:t>2</m:t>
+                        </m:r>
+                      </m:sub>
+                    </m:sSub>
+                  </m:oMath>
+                </a14:m>
+                <a:r>
+                  <a:rPr lang="en-GB" dirty="0"/>
+                  <a:t> are the same in the long-run, the consumers balance promotion likelihood with accumulation of wealth. </a:t>
+                </a:r>
+              </a:p>
+              <a:p>
+                <a:pPr marL="342900" indent="-342900">
+                  <a:buFont typeface="Arial" panose="020B0604020202020204" pitchFamily="34" charset="0"/>
+                  <a:buChar char="•"/>
+                </a:pPr>
+                <a:r>
+                  <a:rPr lang="en-GB" dirty="0"/>
+                  <a:t>In this equilibrium, increasing </a:t>
+                </a:r>
+                <a14:m>
+                  <m:oMath xmlns:m="http://schemas.openxmlformats.org/officeDocument/2006/math">
+                    <m:sSub>
+                      <m:sSubPr>
+                        <m:ctrlPr>
+                          <a:rPr lang="en-US" b="0" i="1" smtClean="0">
+                            <a:latin typeface="Cambria Math" panose="02040503050406030204" pitchFamily="18" charset="0"/>
+                          </a:rPr>
+                        </m:ctrlPr>
+                      </m:sSubPr>
+                      <m:e>
+                        <m:r>
+                          <a:rPr lang="en-US" b="0" i="1" smtClean="0">
+                            <a:latin typeface="Cambria Math" panose="02040503050406030204" pitchFamily="18" charset="0"/>
+                          </a:rPr>
+                          <m:t>𝑦</m:t>
+                        </m:r>
+                      </m:e>
+                      <m:sub>
+                        <m:r>
+                          <a:rPr lang="en-US" b="0" i="1" smtClean="0">
+                            <a:latin typeface="Cambria Math" panose="02040503050406030204" pitchFamily="18" charset="0"/>
+                          </a:rPr>
+                          <m:t>2</m:t>
+                        </m:r>
+                      </m:sub>
+                    </m:sSub>
+                    <m:r>
+                      <a:rPr lang="en-US" b="0" i="1" smtClean="0">
+                        <a:latin typeface="Cambria Math" panose="02040503050406030204" pitchFamily="18" charset="0"/>
+                      </a:rPr>
+                      <m:t>−</m:t>
+                    </m:r>
+                    <m:sSub>
+                      <m:sSubPr>
+                        <m:ctrlPr>
+                          <a:rPr lang="en-US" b="0" i="1" smtClean="0">
+                            <a:latin typeface="Cambria Math" panose="02040503050406030204" pitchFamily="18" charset="0"/>
+                          </a:rPr>
+                        </m:ctrlPr>
+                      </m:sSubPr>
+                      <m:e>
+                        <m:r>
+                          <a:rPr lang="en-US" b="0" i="1" smtClean="0">
+                            <a:latin typeface="Cambria Math" panose="02040503050406030204" pitchFamily="18" charset="0"/>
+                          </a:rPr>
+                          <m:t>𝑦</m:t>
+                        </m:r>
+                      </m:e>
+                      <m:sub>
+                        <m:r>
+                          <a:rPr lang="en-US" b="0" i="1" smtClean="0">
+                            <a:latin typeface="Cambria Math" panose="02040503050406030204" pitchFamily="18" charset="0"/>
+                          </a:rPr>
+                          <m:t>1</m:t>
+                        </m:r>
+                      </m:sub>
+                    </m:sSub>
+                  </m:oMath>
+                </a14:m>
+                <a:r>
+                  <a:rPr lang="en-GB" dirty="0"/>
+                  <a:t> does not increase </a:t>
+                </a:r>
+                <a14:m>
+                  <m:oMath xmlns:m="http://schemas.openxmlformats.org/officeDocument/2006/math">
+                    <m:sSub>
+                      <m:sSubPr>
+                        <m:ctrlPr>
+                          <a:rPr lang="en-US" b="0" i="1" smtClean="0">
+                            <a:latin typeface="Cambria Math" panose="02040503050406030204" pitchFamily="18" charset="0"/>
+                          </a:rPr>
+                        </m:ctrlPr>
+                      </m:sSubPr>
+                      <m:e>
+                        <m:r>
+                          <a:rPr lang="en-US" b="0" i="1" smtClean="0">
+                            <a:latin typeface="Cambria Math" panose="02040503050406030204" pitchFamily="18" charset="0"/>
+                          </a:rPr>
+                          <m:t>𝜈</m:t>
+                        </m:r>
+                      </m:e>
+                      <m:sub>
+                        <m:r>
+                          <a:rPr lang="en-US" b="0" i="1" smtClean="0">
+                            <a:latin typeface="Cambria Math" panose="02040503050406030204" pitchFamily="18" charset="0"/>
+                          </a:rPr>
+                          <m:t>1</m:t>
+                        </m:r>
+                      </m:sub>
+                    </m:sSub>
+                  </m:oMath>
+                </a14:m>
+                <a:r>
+                  <a:rPr lang="en-GB" dirty="0"/>
+                  <a:t> for the poorer consumer i.e. the consumers separate</a:t>
+                </a:r>
+              </a:p>
+            </p:txBody>
+          </p:sp>
+        </mc:Choice>
+        <mc:Fallback>
+          <p:sp>
+            <p:nvSpPr>
+              <p:cNvPr id="7" name="TextBox 6">
+                <a:extLst>
+                  <a:ext uri="{FF2B5EF4-FFF2-40B4-BE49-F238E27FC236}">
+                    <a16:creationId xmlns:a16="http://schemas.microsoft.com/office/drawing/2014/main" id="{DCAF572D-4351-2BC0-DEE1-E8B3C7F88C11}"/>
+                  </a:ext>
+                </a:extLst>
+              </p:cNvPr>
+              <p:cNvSpPr txBox="1">
+                <a:spLocks noRot="1" noChangeAspect="1" noMove="1" noResize="1" noEditPoints="1" noAdjustHandles="1" noChangeArrowheads="1" noChangeShapeType="1" noTextEdit="1"/>
+              </p:cNvSpPr>
+              <p:nvPr/>
+            </p:nvSpPr>
+            <p:spPr>
+              <a:xfrm>
+                <a:off x="628650" y="3717668"/>
+                <a:ext cx="7829550" cy="1323439"/>
+              </a:xfrm>
+              <a:prstGeom prst="rect">
+                <a:avLst/>
+              </a:prstGeom>
+              <a:blipFill>
+                <a:blip r:embed="rId3"/>
+                <a:stretch>
+                  <a:fillRect l="-700" t="-2304" b="-7834"/>
+                </a:stretch>
+              </a:blipFill>
+            </p:spPr>
+            <p:txBody>
+              <a:bodyPr/>
+              <a:lstStyle/>
+              <a:p>
+                <a:r>
+                  <a:rPr lang="en-GB">
+                    <a:noFill/>
+                  </a:rPr>
+                  <a:t> </a:t>
+                </a:r>
+              </a:p>
+            </p:txBody>
+          </p:sp>
+        </mc:Fallback>
+      </mc:AlternateContent>
+    </p:spTree>
+    <p:extLst>
+      <p:ext uri="{BB962C8B-B14F-4D97-AF65-F5344CB8AC3E}">
+        <p14:creationId xmlns:p14="http://schemas.microsoft.com/office/powerpoint/2010/main" val="1836845500"/>
+      </p:ext>
+    </p:extLst>
+  </p:cSld>
+  <p:clrMapOvr>
+    <a:masterClrMapping/>
+  </p:clrMapOvr>
+  <p:transition>
+    <p:fade/>
+  </p:transition>
+</p:sld>
+</file>
+
+<file path=ppt/slides/slide8.xml><?xml version="1.0" encoding="utf-8"?>
+<p:sld xmlns:a="http://schemas.openxmlformats.org/drawingml/2006/main" xmlns:r="http://schemas.openxmlformats.org/officeDocument/2006/relationships" xmlns:p="http://schemas.openxmlformats.org/presentationml/2006/main">
+  <p:cSld>
+    <p:spTree>
+      <p:nvGrpSpPr>
+        <p:cNvPr id="1" name=""/>
+        <p:cNvGrpSpPr/>
+        <p:nvPr/>
+      </p:nvGrpSpPr>
+      <p:grpSpPr>
+        <a:xfrm>
+          <a:off x="0" y="0"/>
+          <a:ext cx="0" cy="0"/>
+          <a:chOff x="0" y="0"/>
+          <a:chExt cx="0" cy="0"/>
+        </a:xfrm>
+      </p:grpSpPr>
+      <p:sp>
+        <p:nvSpPr>
+          <p:cNvPr id="2" name="Title 1">
+            <a:extLst>
+              <a:ext uri="{FF2B5EF4-FFF2-40B4-BE49-F238E27FC236}">
+                <a16:creationId xmlns:a16="http://schemas.microsoft.com/office/drawing/2014/main" id="{AE42409F-5DC1-702D-61A0-3A34228F6376}"/>
+              </a:ext>
+            </a:extLst>
+          </p:cNvPr>
+          <p:cNvSpPr>
+            <a:spLocks noGrp="1"/>
+          </p:cNvSpPr>
+          <p:nvPr>
+            <p:ph type="title"/>
+          </p:nvPr>
+        </p:nvSpPr>
+        <p:spPr/>
+        <p:txBody>
+          <a:bodyPr/>
+          <a:lstStyle/>
+          <a:p>
+            <a:r>
+              <a:rPr lang="en-US" dirty="0"/>
+              <a:t>Conclusions</a:t>
+            </a:r>
+            <a:endParaRPr lang="en-GB" dirty="0"/>
+          </a:p>
+        </p:txBody>
+      </p:sp>
+      <p:sp>
+        <p:nvSpPr>
+          <p:cNvPr id="3" name="Content Placeholder 2">
+            <a:extLst>
+              <a:ext uri="{FF2B5EF4-FFF2-40B4-BE49-F238E27FC236}">
+                <a16:creationId xmlns:a16="http://schemas.microsoft.com/office/drawing/2014/main" id="{1E33F417-6316-DCAB-9A3E-500023F45A85}"/>
+              </a:ext>
+            </a:extLst>
+          </p:cNvPr>
+          <p:cNvSpPr>
+            <a:spLocks noGrp="1"/>
+          </p:cNvSpPr>
+          <p:nvPr>
+            <p:ph idx="1"/>
+          </p:nvPr>
+        </p:nvSpPr>
+        <p:spPr/>
+        <p:txBody>
+          <a:bodyPr/>
+          <a:lstStyle/>
+          <a:p>
+            <a:r>
+              <a:rPr lang="en-US" dirty="0"/>
+              <a:t>When status competitions provide gains to the consumers, then the long-term dynamics differ from the short-term dynamics</a:t>
+            </a:r>
+          </a:p>
+          <a:p>
+            <a:r>
+              <a:rPr lang="en-US" dirty="0"/>
+              <a:t>Rise in income differences don’t necessarily imply a higher incentive or “motivation” for success through status competitions</a:t>
+            </a:r>
+          </a:p>
+          <a:p>
+            <a:r>
+              <a:rPr lang="en-US" dirty="0"/>
+              <a:t>Unless the accumulated wealth is at risk, there are no incentives in the long-term for the poor to participate in status competitions that provide positive externality </a:t>
+            </a:r>
+            <a:endParaRPr lang="en-GB" dirty="0"/>
+          </a:p>
+        </p:txBody>
+      </p:sp>
+      <p:sp>
+        <p:nvSpPr>
+          <p:cNvPr id="4" name="Slide Number Placeholder 3">
+            <a:extLst>
+              <a:ext uri="{FF2B5EF4-FFF2-40B4-BE49-F238E27FC236}">
+                <a16:creationId xmlns:a16="http://schemas.microsoft.com/office/drawing/2014/main" id="{1D2340B2-87CF-3A0D-E195-B3BFFEDBC058}"/>
+              </a:ext>
+            </a:extLst>
+          </p:cNvPr>
+          <p:cNvSpPr>
+            <a:spLocks noGrp="1"/>
+          </p:cNvSpPr>
+          <p:nvPr>
+            <p:ph type="sldNum" sz="quarter" idx="12"/>
+          </p:nvPr>
+        </p:nvSpPr>
+        <p:spPr/>
+        <p:txBody>
+          <a:bodyPr/>
+          <a:lstStyle/>
+          <a:p>
+            <a:pPr>
+              <a:defRPr/>
+            </a:pPr>
+            <a:fld id="{8E35B453-7314-4BBD-9303-11C6BECC4B0D}" type="slidenum">
+              <a:rPr lang="en-GB" altLang="en-US" smtClean="0"/>
+              <a:pPr>
+                <a:defRPr/>
+              </a:pPr>
+              <a:t>8</a:t>
+            </a:fld>
+            <a:endParaRPr lang="en-GB" altLang="en-US" dirty="0"/>
+          </a:p>
+        </p:txBody>
+      </p:sp>
+    </p:spTree>
+    <p:extLst>
+      <p:ext uri="{BB962C8B-B14F-4D97-AF65-F5344CB8AC3E}">
+        <p14:creationId xmlns:p14="http://schemas.microsoft.com/office/powerpoint/2010/main" val="1718053520"/>
+      </p:ext>
+    </p:extLst>
+  </p:cSld>
+  <p:clrMapOvr>
+    <a:masterClrMapping/>
+  </p:clrMapOvr>
+  <p:transition>
+    <p:fade/>
+  </p:transition>
+</p:sld>
+</file>
+
+<file path=ppt/slides/slide9.xml><?xml version="1.0" encoding="utf-8"?>
+<p:sld xmlns:a="http://schemas.openxmlformats.org/drawingml/2006/main" xmlns:r="http://schemas.openxmlformats.org/officeDocument/2006/relationships" xmlns:p="http://schemas.openxmlformats.org/presentationml/2006/main">
+  <p:cSld>
+    <p:spTree>
+      <p:nvGrpSpPr>
+        <p:cNvPr id="1" name=""/>
+        <p:cNvGrpSpPr/>
+        <p:nvPr/>
+      </p:nvGrpSpPr>
+      <p:grpSpPr>
+        <a:xfrm>
+          <a:off x="0" y="0"/>
+          <a:ext cx="0" cy="0"/>
+          <a:chOff x="0" y="0"/>
+          <a:chExt cx="0" cy="0"/>
+        </a:xfrm>
+      </p:grpSpPr>
+      <p:sp>
+        <p:nvSpPr>
+          <p:cNvPr id="2" name="Title 1">
+            <a:extLst>
+              <a:ext uri="{FF2B5EF4-FFF2-40B4-BE49-F238E27FC236}">
                 <a16:creationId xmlns:a16="http://schemas.microsoft.com/office/drawing/2014/main" id="{7D84DC6D-27E3-B38E-7F85-4017A82360FA}"/>
               </a:ext>
             </a:extLst>
@@ -18185,6 +19336,74 @@
               </a:rPr>
               <a:t>The Theory of the Leisure Class - Thorstein Veblen</a:t>
             </a:r>
+            <a:endParaRPr lang="en-US" b="0" i="0" u="sng" dirty="0">
+              <a:solidFill>
+                <a:srgbClr val="222222"/>
+              </a:solidFill>
+              <a:effectLst/>
+            </a:endParaRPr>
+          </a:p>
+          <a:p>
+            <a:r>
+              <a:rPr lang="en-GB" b="0" i="0" dirty="0">
+                <a:solidFill>
+                  <a:srgbClr val="222222"/>
+                </a:solidFill>
+                <a:effectLst/>
+                <a:hlinkClick r:id="rId4"/>
+              </a:rPr>
+              <a:t>Social Norms, Savings </a:t>
+            </a:r>
+            <a:r>
+              <a:rPr lang="en-GB" b="0" i="0" dirty="0" err="1">
+                <a:solidFill>
+                  <a:srgbClr val="222222"/>
+                </a:solidFill>
+                <a:effectLst/>
+                <a:hlinkClick r:id="rId4"/>
+              </a:rPr>
+              <a:t>Behavior</a:t>
+            </a:r>
+            <a:r>
+              <a:rPr lang="en-GB" b="0" i="0" dirty="0">
+                <a:solidFill>
+                  <a:srgbClr val="222222"/>
+                </a:solidFill>
+                <a:effectLst/>
+                <a:hlinkClick r:id="rId4"/>
+              </a:rPr>
+              <a:t>, and Growth - Harold L Cole, George J </a:t>
+            </a:r>
+            <a:r>
+              <a:rPr lang="en-GB" b="0" i="0" dirty="0" err="1">
+                <a:solidFill>
+                  <a:srgbClr val="222222"/>
+                </a:solidFill>
+                <a:effectLst/>
+                <a:hlinkClick r:id="rId4"/>
+              </a:rPr>
+              <a:t>Maliath</a:t>
+            </a:r>
+            <a:r>
+              <a:rPr lang="en-GB" b="0" i="0" dirty="0">
+                <a:solidFill>
+                  <a:srgbClr val="222222"/>
+                </a:solidFill>
+                <a:effectLst/>
+                <a:hlinkClick r:id="rId4"/>
+              </a:rPr>
+              <a:t> and Andrew </a:t>
+            </a:r>
+            <a:r>
+              <a:rPr lang="en-GB" b="0" i="0" dirty="0" err="1">
+                <a:solidFill>
+                  <a:srgbClr val="222222"/>
+                </a:solidFill>
+                <a:effectLst/>
+                <a:hlinkClick r:id="rId4"/>
+              </a:rPr>
+              <a:t>Postlewaite</a:t>
+            </a:r>
             <a:endParaRPr lang="en-US" b="0" i="0" dirty="0">
               <a:solidFill>
                 <a:srgbClr val="222222"/>
@@ -18234,7 +19453,7 @@
               <a:pPr>
                 <a:defRPr/>
               </a:pPr>
-              <a:t>5</a:t>
+              <a:t>9</a:t>
             </a:fld>
             <a:endParaRPr lang="en-GB" altLang="en-US" dirty="0"/>
           </a:p>

--- a/consumption/presentationJun2022.pptx
+++ b/consumption/presentationJun2022.pptx
@@ -7487,7 +7487,7 @@
               <a:pPr>
                 <a:defRPr/>
               </a:pPr>
-              <a:t>6/13/2022</a:t>
+              <a:t>6/14/2022</a:t>
             </a:fld>
             <a:endParaRPr lang="en-US" altLang="en-US"/>
           </a:p>
@@ -7928,7 +7928,7 @@
               <a:pPr>
                 <a:defRPr/>
               </a:pPr>
-              <a:t>6/13/2022</a:t>
+              <a:t>6/14/2022</a:t>
             </a:fld>
             <a:endParaRPr lang="en-US" altLang="en-US"/>
           </a:p>
@@ -8157,7 +8157,7 @@
               <a:pPr>
                 <a:defRPr/>
               </a:pPr>
-              <a:t>6/13/2022</a:t>
+              <a:t>6/14/2022</a:t>
             </a:fld>
             <a:endParaRPr lang="en-US" altLang="en-US"/>
           </a:p>
@@ -8346,7 +8346,7 @@
               <a:pPr>
                 <a:defRPr/>
               </a:pPr>
-              <a:t>6/13/2022</a:t>
+              <a:t>6/14/2022</a:t>
             </a:fld>
             <a:endParaRPr lang="en-US"/>
           </a:p>
@@ -8610,7 +8610,7 @@
               <a:pPr>
                 <a:defRPr/>
               </a:pPr>
-              <a:t>6/13/2022</a:t>
+              <a:t>6/14/2022</a:t>
             </a:fld>
             <a:endParaRPr lang="en-US"/>
           </a:p>
@@ -8861,7 +8861,7 @@
               <a:pPr>
                 <a:defRPr/>
               </a:pPr>
-              <a:t>6/13/2022</a:t>
+              <a:t>6/14/2022</a:t>
             </a:fld>
             <a:endParaRPr lang="en-US" altLang="en-US"/>
           </a:p>
@@ -9247,7 +9247,7 @@
               <a:pPr>
                 <a:defRPr/>
               </a:pPr>
-              <a:t>6/13/2022</a:t>
+              <a:t>6/14/2022</a:t>
             </a:fld>
             <a:endParaRPr lang="en-US"/>
           </a:p>
@@ -9384,7 +9384,7 @@
               <a:pPr>
                 <a:defRPr/>
               </a:pPr>
-              <a:t>6/13/2022</a:t>
+              <a:t>6/14/2022</a:t>
             </a:fld>
             <a:endParaRPr lang="en-US"/>
           </a:p>
@@ -9498,7 +9498,7 @@
               <a:pPr>
                 <a:defRPr/>
               </a:pPr>
-              <a:t>6/13/2022</a:t>
+              <a:t>6/14/2022</a:t>
             </a:fld>
             <a:endParaRPr lang="en-US"/>
           </a:p>
@@ -9794,7 +9794,7 @@
               <a:pPr>
                 <a:defRPr/>
               </a:pPr>
-              <a:t>6/13/2022</a:t>
+              <a:t>6/14/2022</a:t>
             </a:fld>
             <a:endParaRPr lang="en-US"/>
           </a:p>
@@ -10070,7 +10070,7 @@
               <a:pPr>
                 <a:defRPr/>
               </a:pPr>
-              <a:t>6/13/2022</a:t>
+              <a:t>6/14/2022</a:t>
             </a:fld>
             <a:endParaRPr lang="en-US"/>
           </a:p>
@@ -11498,7 +11498,7 @@
               <a:pPr>
                 <a:defRPr/>
               </a:pPr>
-              <a:t>6/13/2022</a:t>
+              <a:t>6/14/2022</a:t>
             </a:fld>
             <a:endParaRPr lang="en-US"/>
           </a:p>
@@ -11697,7 +11697,7 @@
               <a:pPr>
                 <a:defRPr/>
               </a:pPr>
-              <a:t>6/13/2022</a:t>
+              <a:t>6/14/2022</a:t>
             </a:fld>
             <a:endParaRPr lang="en-US"/>
           </a:p>
@@ -16119,7 +16119,7 @@
           <a:p>
             <a:fld id="{C764DE79-268F-4C1A-8933-263129D2AF90}" type="datetimeFigureOut">
               <a:rPr lang="en-US" dirty="0"/>
-              <a:t>6/13/2022</a:t>
+              <a:t>6/14/2022</a:t>
             </a:fld>
             <a:endParaRPr lang="en-US" dirty="0"/>
           </a:p>
@@ -16852,7 +16852,7 @@
         </p:spPr>
         <p:txBody>
           <a:bodyPr>
-            <a:normAutofit/>
+            <a:normAutofit fontScale="92500"/>
           </a:bodyPr>
           <a:lstStyle/>
           <a:p>
@@ -16861,13 +16861,13 @@
           <a:p>
             <a:r>
               <a:rPr lang="en-GB" dirty="0"/>
-              <a:t>Status competitions had  been elaborated first by Veblen (1899).</a:t>
+              <a:t>Status competitions were first elaborated by Veblen (1899).</a:t>
             </a:r>
           </a:p>
           <a:p>
             <a:r>
               <a:rPr lang="en-GB" dirty="0"/>
-              <a:t>Veblen’s ideas have resurfaced in the post-war years and are constituted in the concerns of conspicuous consumption </a:t>
+              <a:t>Veblen’s ideas have resurfaced in the post-war years of greater security and are constituted in the concerns of conspicuous consumption </a:t>
             </a:r>
           </a:p>
           <a:p>
@@ -16879,7 +16879,13 @@
           <a:p>
             <a:r>
               <a:rPr lang="en-GB" dirty="0"/>
-              <a:t>However, there are some competitions that are fuelled by uncertain investments and some approaches focus on gains in non-transactional markets – e.g. by Cole et al (1992)</a:t>
+              <a:t>There are – nevertheless - some status competitions that are fuelled by investments that reduce uncertainty of outcome. Some approaches thus focus on gains in non-transactional markets – e.g. Cole et al (1992)</a:t>
+            </a:r>
+          </a:p>
+          <a:p>
+            <a:r>
+              <a:rPr lang="en-GB" dirty="0"/>
+              <a:t>In varied forms, these may exist in both developed and developing markets</a:t>
             </a:r>
           </a:p>
           <a:p>
@@ -17025,8 +17031,8 @@
           </a:p>
         </p:txBody>
       </p:sp>
-      <mc:AlternateContent xmlns:mc="http://schemas.openxmlformats.org/markup-compatibility/2006" xmlns:a14="http://schemas.microsoft.com/office/drawing/2010/main">
-        <mc:Choice Requires="a14">
+      <mc:AlternateContent xmlns:mc="http://schemas.openxmlformats.org/markup-compatibility/2006">
+        <mc:Choice xmlns:a14="http://schemas.microsoft.com/office/drawing/2010/main" Requires="a14">
           <p:sp>
             <p:nvSpPr>
               <p:cNvPr id="7" name="TextBox 6">
@@ -17042,7 +17048,7 @@
             <p:spPr>
               <a:xfrm>
                 <a:off x="559904" y="1268844"/>
-                <a:ext cx="4038600" cy="3539430"/>
+                <a:ext cx="4038600" cy="3785652"/>
               </a:xfrm>
               <a:prstGeom prst="rect">
                 <a:avLst/>
@@ -17061,6 +17067,9 @@
                 </a:pPr>
                 <a:r>
                   <a:rPr lang="en-US" sz="1600" dirty="0">
+                    <a:solidFill>
+                      <a:schemeClr val="tx1"/>
+                    </a:solidFill>
                     <a:latin typeface="+mn-lt"/>
                   </a:rPr>
                   <a:t>Let’s assume an economy with </a:t>
@@ -17069,13 +17078,19 @@
                   <m:oMath xmlns:m="http://schemas.openxmlformats.org/officeDocument/2006/math">
                     <m:r>
                       <a:rPr lang="en-US" sz="1600" b="0" i="1" smtClean="0">
-                        <a:latin typeface="Cambria Math" panose="02040503050406030204" pitchFamily="18" charset="0"/>
+                        <a:solidFill>
+                          <a:schemeClr val="tx1"/>
+                        </a:solidFill>
+                        <a:latin typeface="+mn-lt"/>
                       </a:rPr>
                       <m:t>𝑛</m:t>
                     </m:r>
                     <m:r>
                       <a:rPr lang="en-US" sz="1600" i="1">
-                        <a:latin typeface="Cambria Math" panose="02040503050406030204" pitchFamily="18" charset="0"/>
+                        <a:solidFill>
+                          <a:schemeClr val="tx1"/>
+                        </a:solidFill>
+                        <a:latin typeface="+mn-lt"/>
                       </a:rPr>
                       <m:t> </m:t>
                     </m:r>
@@ -17083,9 +17098,43 @@
                 </a14:m>
                 <a:r>
                   <a:rPr lang="en-US" sz="1600" dirty="0">
+                    <a:solidFill>
+                      <a:schemeClr val="tx1"/>
+                    </a:solidFill>
                     <a:latin typeface="+mn-lt"/>
                   </a:rPr>
-                  <a:t>multiple income bands with disposable incomes </a:t>
+                  <a:t>multiple income bands (</a:t>
+                </a:r>
+                <a14:m>
+                  <m:oMath xmlns:m="http://schemas.openxmlformats.org/officeDocument/2006/math">
+                    <m:r>
+                      <a:rPr lang="en-US" sz="1600" i="1">
+                        <a:solidFill>
+                          <a:schemeClr val="tx1"/>
+                        </a:solidFill>
+                        <a:latin typeface="+mn-lt"/>
+                      </a:rPr>
+                      <m:t>𝑛</m:t>
+                    </m:r>
+                    <m:r>
+                      <a:rPr lang="en-US" sz="1600" i="1">
+                        <a:solidFill>
+                          <a:schemeClr val="tx1"/>
+                        </a:solidFill>
+                        <a:latin typeface="+mn-lt"/>
+                      </a:rPr>
+                      <m:t> </m:t>
+                    </m:r>
+                  </m:oMath>
+                </a14:m>
+                <a:r>
+                  <a:rPr lang="en-US" sz="1600" dirty="0">
+                    <a:solidFill>
+                      <a:schemeClr val="tx1"/>
+                    </a:solidFill>
+                    <a:latin typeface="+mn-lt"/>
+                  </a:rPr>
+                  <a:t>=2 in the example on the right) with disposable incomes </a:t>
                 </a:r>
                 <a14:m>
                   <m:oMath xmlns:m="http://schemas.openxmlformats.org/officeDocument/2006/math">
@@ -17093,14 +17142,20 @@
                       <m:sSubPr>
                         <m:ctrlPr>
                           <a:rPr lang="en-US" sz="1600" b="0" i="1" smtClean="0">
-                            <a:latin typeface="Cambria Math" panose="02040503050406030204" pitchFamily="18" charset="0"/>
+                            <a:solidFill>
+                              <a:schemeClr val="tx1"/>
+                            </a:solidFill>
+                            <a:latin typeface="+mn-lt"/>
                           </a:rPr>
                         </m:ctrlPr>
                       </m:sSubPr>
                       <m:e>
                         <m:r>
                           <a:rPr lang="en-US" sz="1600" b="0" i="1" smtClean="0">
-                            <a:latin typeface="Cambria Math" panose="02040503050406030204" pitchFamily="18" charset="0"/>
+                            <a:solidFill>
+                              <a:schemeClr val="tx1"/>
+                            </a:solidFill>
+                            <a:latin typeface="+mn-lt"/>
                           </a:rPr>
                           <m:t>𝑦</m:t>
                         </m:r>
@@ -17108,7 +17163,10 @@
                       <m:sub>
                         <m:r>
                           <a:rPr lang="en-US" sz="1600" b="0" i="1" smtClean="0">
-                            <a:latin typeface="Cambria Math" panose="02040503050406030204" pitchFamily="18" charset="0"/>
+                            <a:solidFill>
+                              <a:schemeClr val="tx1"/>
+                            </a:solidFill>
+                            <a:latin typeface="+mn-lt"/>
                           </a:rPr>
                           <m:t>1</m:t>
                         </m:r>
@@ -17116,7 +17174,10 @@
                     </m:sSub>
                     <m:r>
                       <a:rPr lang="en-US" sz="1600" b="0" i="1" smtClean="0">
-                        <a:latin typeface="Cambria Math" panose="02040503050406030204" pitchFamily="18" charset="0"/>
+                        <a:solidFill>
+                          <a:schemeClr val="tx1"/>
+                        </a:solidFill>
+                        <a:latin typeface="+mn-lt"/>
                       </a:rPr>
                       <m:t>,</m:t>
                     </m:r>
@@ -17124,14 +17185,20 @@
                       <m:sSubPr>
                         <m:ctrlPr>
                           <a:rPr lang="en-US" sz="1600" b="0" i="1" smtClean="0">
-                            <a:latin typeface="Cambria Math" panose="02040503050406030204" pitchFamily="18" charset="0"/>
+                            <a:solidFill>
+                              <a:schemeClr val="tx1"/>
+                            </a:solidFill>
+                            <a:latin typeface="+mn-lt"/>
                           </a:rPr>
                         </m:ctrlPr>
                       </m:sSubPr>
                       <m:e>
                         <m:r>
                           <a:rPr lang="en-US" sz="1600" b="0" i="1" smtClean="0">
-                            <a:latin typeface="Cambria Math" panose="02040503050406030204" pitchFamily="18" charset="0"/>
+                            <a:solidFill>
+                              <a:schemeClr val="tx1"/>
+                            </a:solidFill>
+                            <a:latin typeface="+mn-lt"/>
                           </a:rPr>
                           <m:t>𝑦</m:t>
                         </m:r>
@@ -17139,7 +17206,10 @@
                       <m:sub>
                         <m:r>
                           <a:rPr lang="en-US" sz="1600" b="0" i="1" smtClean="0">
-                            <a:latin typeface="Cambria Math" panose="02040503050406030204" pitchFamily="18" charset="0"/>
+                            <a:solidFill>
+                              <a:schemeClr val="tx1"/>
+                            </a:solidFill>
+                            <a:latin typeface="+mn-lt"/>
                           </a:rPr>
                           <m:t>2</m:t>
                         </m:r>
@@ -17147,7 +17217,10 @@
                     </m:sSub>
                     <m:r>
                       <a:rPr lang="en-US" sz="1600" b="0" i="1" smtClean="0">
-                        <a:latin typeface="Cambria Math" panose="02040503050406030204" pitchFamily="18" charset="0"/>
+                        <a:solidFill>
+                          <a:schemeClr val="tx1"/>
+                        </a:solidFill>
+                        <a:latin typeface="+mn-lt"/>
                       </a:rPr>
                       <m:t>,…</m:t>
                     </m:r>
@@ -17155,6 +17228,9 @@
                 </a14:m>
                 <a:r>
                   <a:rPr lang="en-US" sz="1600" dirty="0">
+                    <a:solidFill>
+                      <a:schemeClr val="tx1"/>
+                    </a:solidFill>
                     <a:latin typeface="+mn-lt"/>
                   </a:rPr>
                   <a:t> so that </a:t>
@@ -17165,14 +17241,20 @@
                       <m:sSubPr>
                         <m:ctrlPr>
                           <a:rPr lang="en-US" sz="1600" i="1">
-                            <a:latin typeface="Cambria Math" panose="02040503050406030204" pitchFamily="18" charset="0"/>
+                            <a:solidFill>
+                              <a:schemeClr val="tx1"/>
+                            </a:solidFill>
+                            <a:latin typeface="+mn-lt"/>
                           </a:rPr>
                         </m:ctrlPr>
                       </m:sSubPr>
                       <m:e>
                         <m:r>
                           <a:rPr lang="en-US" sz="1600" i="1">
-                            <a:latin typeface="Cambria Math" panose="02040503050406030204" pitchFamily="18" charset="0"/>
+                            <a:solidFill>
+                              <a:schemeClr val="tx1"/>
+                            </a:solidFill>
+                            <a:latin typeface="+mn-lt"/>
                           </a:rPr>
                           <m:t>𝑦</m:t>
                         </m:r>
@@ -17180,7 +17262,10 @@
                       <m:sub>
                         <m:r>
                           <a:rPr lang="en-US" sz="1600" i="1">
-                            <a:latin typeface="Cambria Math" panose="02040503050406030204" pitchFamily="18" charset="0"/>
+                            <a:solidFill>
+                              <a:schemeClr val="tx1"/>
+                            </a:solidFill>
+                            <a:latin typeface="+mn-lt"/>
                           </a:rPr>
                           <m:t>1</m:t>
                         </m:r>
@@ -17188,7 +17273,10 @@
                     </m:sSub>
                     <m:r>
                       <a:rPr lang="en-US" sz="1600" b="0" i="1" smtClean="0">
-                        <a:latin typeface="Cambria Math" panose="02040503050406030204" pitchFamily="18" charset="0"/>
+                        <a:solidFill>
+                          <a:schemeClr val="tx1"/>
+                        </a:solidFill>
+                        <a:latin typeface="+mn-lt"/>
                       </a:rPr>
                       <m:t>&lt;</m:t>
                     </m:r>
@@ -17196,14 +17284,20 @@
                       <m:sSubPr>
                         <m:ctrlPr>
                           <a:rPr lang="en-US" sz="1600" i="1">
-                            <a:latin typeface="Cambria Math" panose="02040503050406030204" pitchFamily="18" charset="0"/>
+                            <a:solidFill>
+                              <a:schemeClr val="tx1"/>
+                            </a:solidFill>
+                            <a:latin typeface="+mn-lt"/>
                           </a:rPr>
                         </m:ctrlPr>
                       </m:sSubPr>
                       <m:e>
                         <m:r>
                           <a:rPr lang="en-US" sz="1600" i="1">
-                            <a:latin typeface="Cambria Math" panose="02040503050406030204" pitchFamily="18" charset="0"/>
+                            <a:solidFill>
+                              <a:schemeClr val="tx1"/>
+                            </a:solidFill>
+                            <a:latin typeface="+mn-lt"/>
                           </a:rPr>
                           <m:t>𝑦</m:t>
                         </m:r>
@@ -17211,7 +17305,10 @@
                       <m:sub>
                         <m:r>
                           <a:rPr lang="en-US" sz="1600" i="1">
-                            <a:latin typeface="Cambria Math" panose="02040503050406030204" pitchFamily="18" charset="0"/>
+                            <a:solidFill>
+                              <a:schemeClr val="tx1"/>
+                            </a:solidFill>
+                            <a:latin typeface="+mn-lt"/>
                           </a:rPr>
                           <m:t>2</m:t>
                         </m:r>
@@ -17219,7 +17316,10 @@
                     </m:sSub>
                     <m:r>
                       <a:rPr lang="en-US" sz="1600" b="0" i="1" smtClean="0">
-                        <a:latin typeface="Cambria Math" panose="02040503050406030204" pitchFamily="18" charset="0"/>
+                        <a:solidFill>
+                          <a:schemeClr val="tx1"/>
+                        </a:solidFill>
+                        <a:latin typeface="+mn-lt"/>
                       </a:rPr>
                       <m:t>&lt;…&lt;</m:t>
                     </m:r>
@@ -17227,14 +17327,20 @@
                       <m:sSubPr>
                         <m:ctrlPr>
                           <a:rPr lang="en-US" sz="1600" b="0" i="1" smtClean="0">
-                            <a:latin typeface="Cambria Math" panose="02040503050406030204" pitchFamily="18" charset="0"/>
+                            <a:solidFill>
+                              <a:schemeClr val="tx1"/>
+                            </a:solidFill>
+                            <a:latin typeface="+mn-lt"/>
                           </a:rPr>
                         </m:ctrlPr>
                       </m:sSubPr>
                       <m:e>
                         <m:r>
                           <a:rPr lang="en-US" sz="1600" b="0" i="1" smtClean="0">
-                            <a:latin typeface="Cambria Math" panose="02040503050406030204" pitchFamily="18" charset="0"/>
+                            <a:solidFill>
+                              <a:schemeClr val="tx1"/>
+                            </a:solidFill>
+                            <a:latin typeface="+mn-lt"/>
                           </a:rPr>
                           <m:t>𝑦</m:t>
                         </m:r>
@@ -17242,7 +17348,10 @@
                       <m:sub>
                         <m:r>
                           <a:rPr lang="en-US" sz="1600" b="0" i="1" smtClean="0">
-                            <a:latin typeface="Cambria Math" panose="02040503050406030204" pitchFamily="18" charset="0"/>
+                            <a:solidFill>
+                              <a:schemeClr val="tx1"/>
+                            </a:solidFill>
+                            <a:latin typeface="+mn-lt"/>
                           </a:rPr>
                           <m:t>𝑛</m:t>
                         </m:r>
@@ -17252,6 +17361,9 @@
                 </a14:m>
                 <a:r>
                   <a:rPr lang="en-US" sz="1600" dirty="0">
+                    <a:solidFill>
+                      <a:schemeClr val="tx1"/>
+                    </a:solidFill>
                     <a:latin typeface="+mn-lt"/>
                   </a:rPr>
                   <a:t> </a:t>
@@ -17264,6 +17376,9 @@
                 </a:pPr>
                 <a:r>
                   <a:rPr lang="en-US" sz="1600" dirty="0">
+                    <a:solidFill>
+                      <a:schemeClr val="tx1"/>
+                    </a:solidFill>
                     <a:latin typeface="+mn-lt"/>
                   </a:rPr>
                   <a:t>Assume </a:t>
@@ -17272,13 +17387,19 @@
                   <m:oMath xmlns:m="http://schemas.openxmlformats.org/officeDocument/2006/math">
                     <m:r>
                       <a:rPr lang="en-US" sz="1600" b="0" i="1" smtClean="0">
-                        <a:latin typeface="Cambria Math" panose="02040503050406030204" pitchFamily="18" charset="0"/>
+                        <a:solidFill>
+                          <a:schemeClr val="tx1"/>
+                        </a:solidFill>
+                        <a:latin typeface="+mn-lt"/>
                       </a:rPr>
                       <m:t>𝜈</m:t>
                     </m:r>
                     <m:r>
                       <a:rPr lang="en-US" sz="1600" b="0" i="1" smtClean="0">
-                        <a:latin typeface="Cambria Math" panose="02040503050406030204" pitchFamily="18" charset="0"/>
+                        <a:solidFill>
+                          <a:schemeClr val="tx1"/>
+                        </a:solidFill>
+                        <a:latin typeface="+mn-lt"/>
                       </a:rPr>
                       <m:t> </m:t>
                     </m:r>
@@ -17286,6 +17407,9 @@
                 </a14:m>
                 <a:r>
                   <a:rPr lang="en-US" sz="1600" dirty="0">
+                    <a:solidFill>
+                      <a:schemeClr val="tx1"/>
+                    </a:solidFill>
                     <a:latin typeface="+mn-lt"/>
                   </a:rPr>
                   <a:t>as the expenditure towards the uncertain gain </a:t>
@@ -17298,6 +17422,9 @@
                 </a:pPr>
                 <a:r>
                   <a:rPr lang="en-US" sz="1600" dirty="0">
+                    <a:solidFill>
+                      <a:schemeClr val="tx1"/>
+                    </a:solidFill>
                     <a:latin typeface="+mn-lt"/>
                   </a:rPr>
                   <a:t>The gain is the promotion to a band with higher disposable income ( a better job, social rank) with probabilities </a:t>
@@ -17308,14 +17435,20 @@
                       <m:sSubPr>
                         <m:ctrlPr>
                           <a:rPr lang="en-US" sz="1600" b="0" i="1" smtClean="0">
-                            <a:latin typeface="Cambria Math" panose="02040503050406030204" pitchFamily="18" charset="0"/>
+                            <a:solidFill>
+                              <a:schemeClr val="tx1"/>
+                            </a:solidFill>
+                            <a:latin typeface="+mn-lt"/>
                           </a:rPr>
                         </m:ctrlPr>
                       </m:sSubPr>
                       <m:e>
                         <m:r>
                           <a:rPr lang="en-US" sz="1600" b="0" i="1" smtClean="0">
-                            <a:latin typeface="Cambria Math" panose="02040503050406030204" pitchFamily="18" charset="0"/>
+                            <a:solidFill>
+                              <a:schemeClr val="tx1"/>
+                            </a:solidFill>
+                            <a:latin typeface="+mn-lt"/>
                           </a:rPr>
                           <m:t>𝑊</m:t>
                         </m:r>
@@ -17323,7 +17456,10 @@
                       <m:sub>
                         <m:r>
                           <a:rPr lang="en-US" sz="1600" b="0" i="1" smtClean="0">
-                            <a:latin typeface="Cambria Math" panose="02040503050406030204" pitchFamily="18" charset="0"/>
+                            <a:solidFill>
+                              <a:schemeClr val="tx1"/>
+                            </a:solidFill>
+                            <a:latin typeface="+mn-lt"/>
                           </a:rPr>
                           <m:t>1</m:t>
                         </m:r>
@@ -17333,14 +17469,20 @@
                       <m:dPr>
                         <m:ctrlPr>
                           <a:rPr lang="en-US" sz="1600" b="0" i="1" smtClean="0">
-                            <a:latin typeface="Cambria Math" panose="02040503050406030204" pitchFamily="18" charset="0"/>
+                            <a:solidFill>
+                              <a:schemeClr val="tx1"/>
+                            </a:solidFill>
+                            <a:latin typeface="+mn-lt"/>
                           </a:rPr>
                         </m:ctrlPr>
                       </m:dPr>
                       <m:e>
                         <m:r>
                           <a:rPr lang="en-US" sz="1600" b="0" i="1" smtClean="0">
-                            <a:latin typeface="Cambria Math" panose="02040503050406030204" pitchFamily="18" charset="0"/>
+                            <a:solidFill>
+                              <a:schemeClr val="tx1"/>
+                            </a:solidFill>
+                            <a:latin typeface="+mn-lt"/>
                           </a:rPr>
                           <m:t>𝜈</m:t>
                         </m:r>
@@ -17348,7 +17490,10 @@
                     </m:d>
                     <m:r>
                       <a:rPr lang="en-US" sz="1600" b="0" i="1" smtClean="0">
-                        <a:latin typeface="Cambria Math" panose="02040503050406030204" pitchFamily="18" charset="0"/>
+                        <a:solidFill>
+                          <a:schemeClr val="tx1"/>
+                        </a:solidFill>
+                        <a:latin typeface="+mn-lt"/>
                       </a:rPr>
                       <m:t>,</m:t>
                     </m:r>
@@ -17356,14 +17501,20 @@
                       <m:sSubPr>
                         <m:ctrlPr>
                           <a:rPr lang="en-US" sz="1600" b="0" i="1" smtClean="0">
-                            <a:latin typeface="Cambria Math" panose="02040503050406030204" pitchFamily="18" charset="0"/>
+                            <a:solidFill>
+                              <a:schemeClr val="tx1"/>
+                            </a:solidFill>
+                            <a:latin typeface="+mn-lt"/>
                           </a:rPr>
                         </m:ctrlPr>
                       </m:sSubPr>
                       <m:e>
                         <m:r>
                           <a:rPr lang="en-US" sz="1600" b="0" i="1" smtClean="0">
-                            <a:latin typeface="Cambria Math" panose="02040503050406030204" pitchFamily="18" charset="0"/>
+                            <a:solidFill>
+                              <a:schemeClr val="tx1"/>
+                            </a:solidFill>
+                            <a:latin typeface="+mn-lt"/>
                           </a:rPr>
                           <m:t>𝑊</m:t>
                         </m:r>
@@ -17371,7 +17522,10 @@
                       <m:sub>
                         <m:r>
                           <a:rPr lang="en-US" sz="1600" b="0" i="1" smtClean="0">
-                            <a:latin typeface="Cambria Math" panose="02040503050406030204" pitchFamily="18" charset="0"/>
+                            <a:solidFill>
+                              <a:schemeClr val="tx1"/>
+                            </a:solidFill>
+                            <a:latin typeface="+mn-lt"/>
                           </a:rPr>
                           <m:t>2</m:t>
                         </m:r>
@@ -17381,14 +17535,20 @@
                       <m:dPr>
                         <m:ctrlPr>
                           <a:rPr lang="en-US" sz="1600" b="0" i="1" smtClean="0">
-                            <a:latin typeface="Cambria Math" panose="02040503050406030204" pitchFamily="18" charset="0"/>
+                            <a:solidFill>
+                              <a:schemeClr val="tx1"/>
+                            </a:solidFill>
+                            <a:latin typeface="+mn-lt"/>
                           </a:rPr>
                         </m:ctrlPr>
                       </m:dPr>
                       <m:e>
                         <m:r>
                           <a:rPr lang="en-US" sz="1600" b="0" i="1" smtClean="0">
-                            <a:latin typeface="Cambria Math" panose="02040503050406030204" pitchFamily="18" charset="0"/>
+                            <a:solidFill>
+                              <a:schemeClr val="tx1"/>
+                            </a:solidFill>
+                            <a:latin typeface="+mn-lt"/>
                           </a:rPr>
                           <m:t>𝜈</m:t>
                         </m:r>
@@ -17396,13 +17556,19 @@
                     </m:d>
                     <m:r>
                       <a:rPr lang="en-US" sz="1600" b="0" i="1" smtClean="0">
-                        <a:latin typeface="Cambria Math" panose="02040503050406030204" pitchFamily="18" charset="0"/>
+                        <a:solidFill>
+                          <a:schemeClr val="tx1"/>
+                        </a:solidFill>
+                        <a:latin typeface="+mn-lt"/>
                       </a:rPr>
                       <m:t>…</m:t>
                     </m:r>
                   </m:oMath>
                 </a14:m>
                 <a:endParaRPr lang="en-US" sz="1600" dirty="0">
+                  <a:solidFill>
+                    <a:schemeClr val="tx1"/>
+                  </a:solidFill>
                   <a:latin typeface="+mn-lt"/>
                 </a:endParaRPr>
               </a:p>
@@ -17413,6 +17579,9 @@
                 </a:pPr>
                 <a:r>
                   <a:rPr lang="en-US" sz="1600" dirty="0">
+                    <a:solidFill>
+                      <a:schemeClr val="tx1"/>
+                    </a:solidFill>
                     <a:latin typeface="+mn-lt"/>
                   </a:rPr>
                   <a:t>There is also loss of demotion with probabilities </a:t>
@@ -17423,14 +17592,20 @@
                       <m:sSubPr>
                         <m:ctrlPr>
                           <a:rPr lang="en-US" sz="1600" b="0" i="1" smtClean="0">
-                            <a:latin typeface="Cambria Math" panose="02040503050406030204" pitchFamily="18" charset="0"/>
+                            <a:solidFill>
+                              <a:schemeClr val="tx1"/>
+                            </a:solidFill>
+                            <a:latin typeface="+mn-lt"/>
                           </a:rPr>
                         </m:ctrlPr>
                       </m:sSubPr>
                       <m:e>
                         <m:r>
                           <a:rPr lang="en-US" sz="1600" b="0" i="1" smtClean="0">
-                            <a:latin typeface="Cambria Math" panose="02040503050406030204" pitchFamily="18" charset="0"/>
+                            <a:solidFill>
+                              <a:schemeClr val="tx1"/>
+                            </a:solidFill>
+                            <a:latin typeface="+mn-lt"/>
                           </a:rPr>
                           <m:t>𝐿</m:t>
                         </m:r>
@@ -17438,7 +17613,10 @@
                       <m:sub>
                         <m:r>
                           <a:rPr lang="en-US" sz="1600" b="0" i="1" smtClean="0">
-                            <a:latin typeface="Cambria Math" panose="02040503050406030204" pitchFamily="18" charset="0"/>
+                            <a:solidFill>
+                              <a:schemeClr val="tx1"/>
+                            </a:solidFill>
+                            <a:latin typeface="+mn-lt"/>
                           </a:rPr>
                           <m:t>2</m:t>
                         </m:r>
@@ -17448,14 +17626,20 @@
                       <m:dPr>
                         <m:ctrlPr>
                           <a:rPr lang="en-US" sz="1600" b="0" i="1" smtClean="0">
-                            <a:latin typeface="Cambria Math" panose="02040503050406030204" pitchFamily="18" charset="0"/>
+                            <a:solidFill>
+                              <a:schemeClr val="tx1"/>
+                            </a:solidFill>
+                            <a:latin typeface="+mn-lt"/>
                           </a:rPr>
                         </m:ctrlPr>
                       </m:dPr>
                       <m:e>
                         <m:r>
                           <a:rPr lang="en-US" sz="1600" b="0" i="1" smtClean="0">
-                            <a:latin typeface="Cambria Math" panose="02040503050406030204" pitchFamily="18" charset="0"/>
+                            <a:solidFill>
+                              <a:schemeClr val="tx1"/>
+                            </a:solidFill>
+                            <a:latin typeface="+mn-lt"/>
                           </a:rPr>
                           <m:t>𝜈</m:t>
                         </m:r>
@@ -17463,7 +17647,10 @@
                     </m:d>
                     <m:r>
                       <a:rPr lang="en-US" sz="1600" b="0" i="1" smtClean="0">
-                        <a:latin typeface="Cambria Math" panose="02040503050406030204" pitchFamily="18" charset="0"/>
+                        <a:solidFill>
+                          <a:schemeClr val="tx1"/>
+                        </a:solidFill>
+                        <a:latin typeface="+mn-lt"/>
                       </a:rPr>
                       <m:t>, </m:t>
                     </m:r>
@@ -17471,14 +17658,20 @@
                       <m:sSubPr>
                         <m:ctrlPr>
                           <a:rPr lang="en-US" sz="1600" b="0" i="1" smtClean="0">
-                            <a:latin typeface="Cambria Math" panose="02040503050406030204" pitchFamily="18" charset="0"/>
+                            <a:solidFill>
+                              <a:schemeClr val="tx1"/>
+                            </a:solidFill>
+                            <a:latin typeface="+mn-lt"/>
                           </a:rPr>
                         </m:ctrlPr>
                       </m:sSubPr>
                       <m:e>
                         <m:r>
                           <a:rPr lang="en-US" sz="1600" b="0" i="1" smtClean="0">
-                            <a:latin typeface="Cambria Math" panose="02040503050406030204" pitchFamily="18" charset="0"/>
+                            <a:solidFill>
+                              <a:schemeClr val="tx1"/>
+                            </a:solidFill>
+                            <a:latin typeface="+mn-lt"/>
                           </a:rPr>
                           <m:t>𝐿</m:t>
                         </m:r>
@@ -17486,7 +17679,10 @@
                       <m:sub>
                         <m:r>
                           <a:rPr lang="en-US" sz="1600" b="0" i="1" smtClean="0">
-                            <a:latin typeface="Cambria Math" panose="02040503050406030204" pitchFamily="18" charset="0"/>
+                            <a:solidFill>
+                              <a:schemeClr val="tx1"/>
+                            </a:solidFill>
+                            <a:latin typeface="+mn-lt"/>
                           </a:rPr>
                           <m:t>3</m:t>
                         </m:r>
@@ -17496,14 +17692,20 @@
                       <m:dPr>
                         <m:ctrlPr>
                           <a:rPr lang="en-US" sz="1600" b="0" i="1" smtClean="0">
-                            <a:latin typeface="Cambria Math" panose="02040503050406030204" pitchFamily="18" charset="0"/>
+                            <a:solidFill>
+                              <a:schemeClr val="tx1"/>
+                            </a:solidFill>
+                            <a:latin typeface="+mn-lt"/>
                           </a:rPr>
                         </m:ctrlPr>
                       </m:dPr>
                       <m:e>
                         <m:r>
                           <a:rPr lang="en-US" sz="1600" b="0" i="1" smtClean="0">
-                            <a:latin typeface="Cambria Math" panose="02040503050406030204" pitchFamily="18" charset="0"/>
+                            <a:solidFill>
+                              <a:schemeClr val="tx1"/>
+                            </a:solidFill>
+                            <a:latin typeface="+mn-lt"/>
                           </a:rPr>
                           <m:t>𝜈</m:t>
                         </m:r>
@@ -17511,13 +17713,19 @@
                     </m:d>
                     <m:r>
                       <a:rPr lang="en-US" sz="1600" b="0" i="1" smtClean="0">
-                        <a:latin typeface="Cambria Math" panose="02040503050406030204" pitchFamily="18" charset="0"/>
+                        <a:solidFill>
+                          <a:schemeClr val="tx1"/>
+                        </a:solidFill>
+                        <a:latin typeface="+mn-lt"/>
                       </a:rPr>
                       <m:t>…</m:t>
                     </m:r>
                   </m:oMath>
                 </a14:m>
                 <a:endParaRPr lang="en-GB" sz="1600" dirty="0">
+                  <a:solidFill>
+                    <a:schemeClr val="tx1"/>
+                  </a:solidFill>
                   <a:latin typeface="+mn-lt"/>
                 </a:endParaRPr>
               </a:p>
@@ -17528,6 +17736,9 @@
                 </a:pPr>
                 <a:r>
                   <a:rPr lang="en-GB" sz="1600" dirty="0">
+                    <a:solidFill>
+                      <a:schemeClr val="tx1"/>
+                    </a:solidFill>
                     <a:latin typeface="+mn-lt"/>
                   </a:rPr>
                   <a:t>A two-band economy with </a:t>
@@ -17538,14 +17749,20 @@
                       <m:sSubPr>
                         <m:ctrlPr>
                           <a:rPr lang="en-US" sz="1600" b="0" i="1" smtClean="0">
-                            <a:latin typeface="Cambria Math" panose="02040503050406030204" pitchFamily="18" charset="0"/>
+                            <a:solidFill>
+                              <a:schemeClr val="tx1"/>
+                            </a:solidFill>
+                            <a:latin typeface="+mn-lt"/>
                           </a:rPr>
                         </m:ctrlPr>
                       </m:sSubPr>
                       <m:e>
                         <m:r>
                           <a:rPr lang="en-US" sz="1600" b="0" i="1" smtClean="0">
-                            <a:latin typeface="Cambria Math" panose="02040503050406030204" pitchFamily="18" charset="0"/>
+                            <a:solidFill>
+                              <a:schemeClr val="tx1"/>
+                            </a:solidFill>
+                            <a:latin typeface="+mn-lt"/>
                           </a:rPr>
                           <m:t>𝑦</m:t>
                         </m:r>
@@ -17553,7 +17770,10 @@
                       <m:sub>
                         <m:r>
                           <a:rPr lang="en-US" sz="1600" b="0" i="1" smtClean="0">
-                            <a:latin typeface="Cambria Math" panose="02040503050406030204" pitchFamily="18" charset="0"/>
+                            <a:solidFill>
+                              <a:schemeClr val="tx1"/>
+                            </a:solidFill>
+                            <a:latin typeface="+mn-lt"/>
                           </a:rPr>
                           <m:t>1</m:t>
                         </m:r>
@@ -17563,6 +17783,9 @@
                 </a14:m>
                 <a:r>
                   <a:rPr lang="en-GB" sz="1600" dirty="0">
+                    <a:solidFill>
+                      <a:schemeClr val="tx1"/>
+                    </a:solidFill>
                     <a:latin typeface="+mn-lt"/>
                   </a:rPr>
                   <a:t> and </a:t>
@@ -17573,14 +17796,20 @@
                       <m:sSubPr>
                         <m:ctrlPr>
                           <a:rPr lang="en-US" sz="1600" i="1">
-                            <a:latin typeface="Cambria Math" panose="02040503050406030204" pitchFamily="18" charset="0"/>
+                            <a:solidFill>
+                              <a:schemeClr val="tx1"/>
+                            </a:solidFill>
+                            <a:latin typeface="+mn-lt"/>
                           </a:rPr>
                         </m:ctrlPr>
                       </m:sSubPr>
                       <m:e>
                         <m:r>
                           <a:rPr lang="en-US" sz="1600" i="1">
-                            <a:latin typeface="Cambria Math" panose="02040503050406030204" pitchFamily="18" charset="0"/>
+                            <a:solidFill>
+                              <a:schemeClr val="tx1"/>
+                            </a:solidFill>
+                            <a:latin typeface="+mn-lt"/>
                           </a:rPr>
                           <m:t>𝑦</m:t>
                         </m:r>
@@ -17588,7 +17817,10 @@
                       <m:sub>
                         <m:r>
                           <a:rPr lang="en-US" sz="1600" b="0" i="1" smtClean="0">
-                            <a:latin typeface="Cambria Math" panose="02040503050406030204" pitchFamily="18" charset="0"/>
+                            <a:solidFill>
+                              <a:schemeClr val="tx1"/>
+                            </a:solidFill>
+                            <a:latin typeface="+mn-lt"/>
                           </a:rPr>
                           <m:t>2</m:t>
                         </m:r>
@@ -17596,7 +17828,10 @@
                     </m:sSub>
                     <m:r>
                       <a:rPr lang="en-US" sz="1600" i="1">
-                        <a:latin typeface="Cambria Math" panose="02040503050406030204" pitchFamily="18" charset="0"/>
+                        <a:solidFill>
+                          <a:schemeClr val="tx1"/>
+                        </a:solidFill>
+                        <a:latin typeface="+mn-lt"/>
                       </a:rPr>
                       <m:t> </m:t>
                     </m:r>
@@ -17604,6 +17839,9 @@
                 </a14:m>
                 <a:r>
                   <a:rPr lang="en-GB" sz="1600" dirty="0">
+                    <a:solidFill>
+                      <a:schemeClr val="tx1"/>
+                    </a:solidFill>
                     <a:latin typeface="+mn-lt"/>
                   </a:rPr>
                   <a:t>would have promotion and demotion probabilities </a:t>
@@ -17614,14 +17852,20 @@
                       <m:sSubPr>
                         <m:ctrlPr>
                           <a:rPr lang="en-US" sz="1600" b="0" i="1" smtClean="0">
-                            <a:latin typeface="Cambria Math" panose="02040503050406030204" pitchFamily="18" charset="0"/>
+                            <a:solidFill>
+                              <a:schemeClr val="tx1"/>
+                            </a:solidFill>
+                            <a:latin typeface="+mn-lt"/>
                           </a:rPr>
                         </m:ctrlPr>
                       </m:sSubPr>
                       <m:e>
                         <m:r>
                           <a:rPr lang="en-US" sz="1600" b="0" i="1" smtClean="0">
-                            <a:latin typeface="Cambria Math" panose="02040503050406030204" pitchFamily="18" charset="0"/>
+                            <a:solidFill>
+                              <a:schemeClr val="tx1"/>
+                            </a:solidFill>
+                            <a:latin typeface="+mn-lt"/>
                           </a:rPr>
                           <m:t>𝑊</m:t>
                         </m:r>
@@ -17629,7 +17873,10 @@
                       <m:sub>
                         <m:r>
                           <a:rPr lang="en-US" sz="1600" b="0" i="1" smtClean="0">
-                            <a:latin typeface="Cambria Math" panose="02040503050406030204" pitchFamily="18" charset="0"/>
+                            <a:solidFill>
+                              <a:schemeClr val="tx1"/>
+                            </a:solidFill>
+                            <a:latin typeface="+mn-lt"/>
                           </a:rPr>
                           <m:t>1</m:t>
                         </m:r>
@@ -17639,14 +17886,20 @@
                       <m:dPr>
                         <m:ctrlPr>
                           <a:rPr lang="en-US" sz="1600" b="0" i="1" smtClean="0">
-                            <a:latin typeface="Cambria Math" panose="02040503050406030204" pitchFamily="18" charset="0"/>
+                            <a:solidFill>
+                              <a:schemeClr val="tx1"/>
+                            </a:solidFill>
+                            <a:latin typeface="+mn-lt"/>
                           </a:rPr>
                         </m:ctrlPr>
                       </m:dPr>
                       <m:e>
                         <m:r>
                           <a:rPr lang="en-US" sz="1600" b="0" i="1" smtClean="0">
-                            <a:latin typeface="Cambria Math" panose="02040503050406030204" pitchFamily="18" charset="0"/>
+                            <a:solidFill>
+                              <a:schemeClr val="tx1"/>
+                            </a:solidFill>
+                            <a:latin typeface="+mn-lt"/>
                           </a:rPr>
                           <m:t>𝜈</m:t>
                         </m:r>
@@ -17656,6 +17909,9 @@
                 </a14:m>
                 <a:r>
                   <a:rPr lang="en-GB" sz="1600" dirty="0">
+                    <a:solidFill>
+                      <a:schemeClr val="tx1"/>
+                    </a:solidFill>
                     <a:latin typeface="+mn-lt"/>
                   </a:rPr>
                   <a:t> and </a:t>
@@ -17666,14 +17922,20 @@
                       <m:sSubPr>
                         <m:ctrlPr>
                           <a:rPr lang="en-US" sz="1600" i="1">
-                            <a:latin typeface="Cambria Math" panose="02040503050406030204" pitchFamily="18" charset="0"/>
+                            <a:solidFill>
+                              <a:schemeClr val="tx1"/>
+                            </a:solidFill>
+                            <a:latin typeface="+mn-lt"/>
                           </a:rPr>
                         </m:ctrlPr>
                       </m:sSubPr>
                       <m:e>
                         <m:r>
                           <a:rPr lang="en-US" sz="1600" b="0" i="1" smtClean="0">
-                            <a:latin typeface="Cambria Math" panose="02040503050406030204" pitchFamily="18" charset="0"/>
+                            <a:solidFill>
+                              <a:schemeClr val="tx1"/>
+                            </a:solidFill>
+                            <a:latin typeface="+mn-lt"/>
                           </a:rPr>
                           <m:t>𝐿</m:t>
                         </m:r>
@@ -17681,7 +17943,10 @@
                       <m:sub>
                         <m:r>
                           <a:rPr lang="en-US" sz="1600" i="1">
-                            <a:latin typeface="Cambria Math" panose="02040503050406030204" pitchFamily="18" charset="0"/>
+                            <a:solidFill>
+                              <a:schemeClr val="tx1"/>
+                            </a:solidFill>
+                            <a:latin typeface="+mn-lt"/>
                           </a:rPr>
                           <m:t>2</m:t>
                         </m:r>
@@ -17691,14 +17956,20 @@
                       <m:dPr>
                         <m:ctrlPr>
                           <a:rPr lang="en-US" sz="1600" i="1">
-                            <a:latin typeface="Cambria Math" panose="02040503050406030204" pitchFamily="18" charset="0"/>
+                            <a:solidFill>
+                              <a:schemeClr val="tx1"/>
+                            </a:solidFill>
+                            <a:latin typeface="+mn-lt"/>
                           </a:rPr>
                         </m:ctrlPr>
                       </m:dPr>
                       <m:e>
                         <m:r>
                           <a:rPr lang="en-US" sz="1600" i="1">
-                            <a:latin typeface="Cambria Math" panose="02040503050406030204" pitchFamily="18" charset="0"/>
+                            <a:solidFill>
+                              <a:schemeClr val="tx1"/>
+                            </a:solidFill>
+                            <a:latin typeface="+mn-lt"/>
                           </a:rPr>
                           <m:t>𝜈</m:t>
                         </m:r>
@@ -17707,13 +17978,16 @@
                   </m:oMath>
                 </a14:m>
                 <a:endParaRPr lang="en-GB" sz="1600" dirty="0">
+                  <a:solidFill>
+                    <a:schemeClr val="tx1"/>
+                  </a:solidFill>
                   <a:latin typeface="+mn-lt"/>
                 </a:endParaRPr>
               </a:p>
             </p:txBody>
           </p:sp>
         </mc:Choice>
-        <mc:Fallback xmlns="">
+        <mc:Fallback>
           <p:sp>
             <p:nvSpPr>
               <p:cNvPr id="7" name="TextBox 6">
@@ -17731,7 +18005,7 @@
             <p:spPr>
               <a:xfrm>
                 <a:off x="559904" y="1268844"/>
-                <a:ext cx="4038600" cy="3539430"/>
+                <a:ext cx="4038600" cy="3785652"/>
               </a:xfrm>
               <a:prstGeom prst="rect">
                 <a:avLst/>
@@ -17739,7 +18013,7 @@
               <a:blipFill>
                 <a:blip r:embed="rId3"/>
                 <a:stretch>
-                  <a:fillRect l="-604" t="-516" b="-1205"/>
+                  <a:fillRect l="-604" t="-483" r="-1511" b="-1127"/>
                 </a:stretch>
               </a:blipFill>
             </p:spPr>
@@ -17846,7 +18120,7 @@
             </p:spPr>
             <p:txBody>
               <a:bodyPr>
-                <a:normAutofit fontScale="85000" lnSpcReduction="10000"/>
+                <a:normAutofit fontScale="77500" lnSpcReduction="20000"/>
               </a:bodyPr>
               <a:lstStyle/>
               <a:p>
@@ -17948,7 +18222,106 @@
               <a:p>
                 <a:r>
                   <a:rPr lang="en-US" dirty="0"/>
-                  <a:t>What are the conditions and implications of a long-term equilibria?</a:t>
+                  <a:t>What are the conditions and implications of a long-term equilibria – when </a:t>
+                </a:r>
+                <a14:m>
+                  <m:oMath xmlns:m="http://schemas.openxmlformats.org/officeDocument/2006/math">
+                    <m:sSub>
+                      <m:sSubPr>
+                        <m:ctrlPr>
+                          <a:rPr lang="en-US" sz="2400" b="0" i="1" smtClean="0">
+                            <a:latin typeface="Cambria Math" panose="02040503050406030204" pitchFamily="18" charset="0"/>
+                          </a:rPr>
+                        </m:ctrlPr>
+                      </m:sSubPr>
+                      <m:e>
+                        <m:r>
+                          <a:rPr lang="en-US" sz="2400" b="0" i="1" smtClean="0">
+                            <a:latin typeface="Cambria Math" panose="02040503050406030204" pitchFamily="18" charset="0"/>
+                          </a:rPr>
+                          <m:t>𝑊</m:t>
+                        </m:r>
+                      </m:e>
+                      <m:sub>
+                        <m:r>
+                          <a:rPr lang="en-US" sz="2400" b="0" i="1" smtClean="0">
+                            <a:latin typeface="Cambria Math" panose="02040503050406030204" pitchFamily="18" charset="0"/>
+                          </a:rPr>
+                          <m:t>𝑗</m:t>
+                        </m:r>
+                      </m:sub>
+                    </m:sSub>
+                    <m:d>
+                      <m:dPr>
+                        <m:ctrlPr>
+                          <a:rPr lang="en-US" sz="2400" b="0" i="1" smtClean="0">
+                            <a:latin typeface="Cambria Math" panose="02040503050406030204" pitchFamily="18" charset="0"/>
+                          </a:rPr>
+                        </m:ctrlPr>
+                      </m:dPr>
+                      <m:e>
+                        <m:r>
+                          <a:rPr lang="en-US" sz="2400" b="0" i="1" smtClean="0">
+                            <a:latin typeface="Cambria Math" panose="02040503050406030204" pitchFamily="18" charset="0"/>
+                          </a:rPr>
+                          <m:t>𝜈</m:t>
+                        </m:r>
+                      </m:e>
+                    </m:d>
+                    <m:r>
+                      <a:rPr lang="en-US" sz="2400" b="0" i="1" smtClean="0">
+                        <a:latin typeface="Cambria Math" panose="02040503050406030204" pitchFamily="18" charset="0"/>
+                      </a:rPr>
+                      <m:t>,</m:t>
+                    </m:r>
+                    <m:sSub>
+                      <m:sSubPr>
+                        <m:ctrlPr>
+                          <a:rPr lang="en-US" sz="2400" b="0" i="1" smtClean="0">
+                            <a:latin typeface="Cambria Math" panose="02040503050406030204" pitchFamily="18" charset="0"/>
+                          </a:rPr>
+                        </m:ctrlPr>
+                      </m:sSubPr>
+                      <m:e>
+                        <m:r>
+                          <a:rPr lang="en-US" sz="2400" b="0" i="1" smtClean="0">
+                            <a:latin typeface="Cambria Math" panose="02040503050406030204" pitchFamily="18" charset="0"/>
+                          </a:rPr>
+                          <m:t>𝐿</m:t>
+                        </m:r>
+                      </m:e>
+                      <m:sub>
+                        <m:r>
+                          <a:rPr lang="en-US" sz="2400" b="0" i="1" smtClean="0">
+                            <a:latin typeface="Cambria Math" panose="02040503050406030204" pitchFamily="18" charset="0"/>
+                          </a:rPr>
+                          <m:t>𝑗</m:t>
+                        </m:r>
+                      </m:sub>
+                    </m:sSub>
+                    <m:r>
+                      <a:rPr lang="en-US" sz="2400" b="0" i="1" smtClean="0">
+                        <a:latin typeface="Cambria Math" panose="02040503050406030204" pitchFamily="18" charset="0"/>
+                      </a:rPr>
+                      <m:t>(</m:t>
+                    </m:r>
+                    <m:r>
+                      <a:rPr lang="en-US" sz="2400" b="0" i="1" smtClean="0">
+                        <a:latin typeface="Cambria Math" panose="02040503050406030204" pitchFamily="18" charset="0"/>
+                      </a:rPr>
+                      <m:t>𝜈</m:t>
+                    </m:r>
+                    <m:r>
+                      <a:rPr lang="en-US" sz="2400" b="0" i="1" smtClean="0">
+                        <a:latin typeface="Cambria Math" panose="02040503050406030204" pitchFamily="18" charset="0"/>
+                      </a:rPr>
+                      <m:t>)</m:t>
+                    </m:r>
+                  </m:oMath>
+                </a14:m>
+                <a:r>
+                  <a:rPr lang="en-US" dirty="0"/>
+                  <a:t> are subject to change?</a:t>
                 </a:r>
                 <a:endParaRPr lang="en-GB" dirty="0"/>
               </a:p>
@@ -17980,7 +18353,7 @@
               <a:blipFill>
                 <a:blip r:embed="rId2"/>
                 <a:stretch>
-                  <a:fillRect l="-534" t="-6542"/>
+                  <a:fillRect l="-305" t="-6075" b="-935"/>
                 </a:stretch>
               </a:blipFill>
             </p:spPr>
@@ -18124,7 +18497,7 @@
             </a:r>
             <a:r>
               <a:rPr lang="en-US" dirty="0" err="1"/>
-              <a:t>equilibiria</a:t>
+              <a:t>equilibirium</a:t>
             </a:r>
             <a:endParaRPr lang="en-GB" dirty="0"/>
           </a:p>
@@ -18197,36 +18570,6 @@
       </p:pic>
       <p:pic>
         <p:nvPicPr>
-          <p:cNvPr id="8" name="Picture 7">
-            <a:extLst>
-              <a:ext uri="{FF2B5EF4-FFF2-40B4-BE49-F238E27FC236}">
-                <a16:creationId xmlns:a16="http://schemas.microsoft.com/office/drawing/2014/main" id="{2C580D77-6191-E399-DA86-03B368FB9030}"/>
-              </a:ext>
-            </a:extLst>
-          </p:cNvPr>
-          <p:cNvPicPr>
-            <a:picLocks noChangeAspect="1"/>
-          </p:cNvPicPr>
-          <p:nvPr/>
-        </p:nvPicPr>
-        <p:blipFill>
-          <a:blip r:embed="rId3"/>
-          <a:stretch>
-            <a:fillRect/>
-          </a:stretch>
-        </p:blipFill>
-        <p:spPr>
-          <a:xfrm>
-            <a:off x="190781" y="1704975"/>
-            <a:ext cx="3800475" cy="3305175"/>
-          </a:xfrm>
-          <a:prstGeom prst="rect">
-            <a:avLst/>
-          </a:prstGeom>
-        </p:spPr>
-      </p:pic>
-      <p:pic>
-        <p:nvPicPr>
           <p:cNvPr id="10" name="Picture 9">
             <a:extLst>
               <a:ext uri="{FF2B5EF4-FFF2-40B4-BE49-F238E27FC236}">
@@ -18240,7 +18583,7 @@
           <p:nvPr/>
         </p:nvPicPr>
         <p:blipFill>
-          <a:blip r:embed="rId4"/>
+          <a:blip r:embed="rId3"/>
           <a:stretch>
             <a:fillRect/>
           </a:stretch>
@@ -18270,7 +18613,7 @@
           <p:nvPr/>
         </p:nvPicPr>
         <p:blipFill>
-          <a:blip r:embed="rId5"/>
+          <a:blip r:embed="rId4"/>
           <a:stretch>
             <a:fillRect/>
           </a:stretch>
@@ -18279,6 +18622,36 @@
           <a:xfrm>
             <a:off x="4572000" y="3124200"/>
             <a:ext cx="3914775" cy="1714500"/>
+          </a:xfrm>
+          <a:prstGeom prst="rect">
+            <a:avLst/>
+          </a:prstGeom>
+        </p:spPr>
+      </p:pic>
+      <p:pic>
+        <p:nvPicPr>
+          <p:cNvPr id="5" name="Picture 4">
+            <a:extLst>
+              <a:ext uri="{FF2B5EF4-FFF2-40B4-BE49-F238E27FC236}">
+                <a16:creationId xmlns:a16="http://schemas.microsoft.com/office/drawing/2014/main" id="{0322AE00-2B18-A2E4-3C22-FE544D751AC2}"/>
+              </a:ext>
+            </a:extLst>
+          </p:cNvPr>
+          <p:cNvPicPr>
+            <a:picLocks noChangeAspect="1"/>
+          </p:cNvPicPr>
+          <p:nvPr/>
+        </p:nvPicPr>
+        <p:blipFill>
+          <a:blip r:embed="rId5"/>
+          <a:stretch>
+            <a:fillRect/>
+          </a:stretch>
+        </p:blipFill>
+        <p:spPr>
+          <a:xfrm>
+            <a:off x="204228" y="1800433"/>
+            <a:ext cx="3829050" cy="2971800"/>
           </a:xfrm>
           <a:prstGeom prst="rect">
             <a:avLst/>
@@ -18365,9 +18738,16 @@
                 <p:ph idx="1"/>
               </p:nvPr>
             </p:nvSpPr>
-            <p:spPr/>
+            <p:spPr>
+              <a:xfrm>
+                <a:off x="800686" y="2471535"/>
+                <a:ext cx="7677150" cy="2289573"/>
+              </a:xfrm>
+            </p:spPr>
             <p:txBody>
-              <a:bodyPr/>
+              <a:bodyPr>
+                <a:normAutofit fontScale="92500" lnSpcReduction="20000"/>
+              </a:bodyPr>
               <a:lstStyle/>
               <a:p>
                 <a:endParaRPr lang="en-US" dirty="0"/>
@@ -18385,14 +18765,14 @@
                 </a:pPr>
                 <a:r>
                   <a:rPr lang="en-US" dirty="0"/>
-                  <a:t>The population of the bands remains the same - the consumers gaining promotion would be balanced by those getting demoted. In a two band economy, </a:t>
+                  <a:t>The population of the bands remains the same - the consumers gaining promotion would be balanced by those getting demoted. In a two-band economy, </a:t>
                 </a:r>
                 <a14:m>
                   <m:oMath xmlns:m="http://schemas.openxmlformats.org/officeDocument/2006/math">
                     <m:sSub>
                       <m:sSubPr>
                         <m:ctrlPr>
-                          <a:rPr lang="en-US" sz="1800" b="0" i="0" smtClean="0">
+                          <a:rPr lang="en-US" sz="1800" b="0" i="1" smtClean="0">
                             <a:latin typeface="Cambria Math" panose="02040503050406030204" pitchFamily="18" charset="0"/>
                           </a:rPr>
                         </m:ctrlPr>
@@ -18621,7 +19001,7 @@
               <a:p>
                 <a:r>
                   <a:rPr lang="en-US" dirty="0"/>
-                  <a:t>The equilibrium cannot exist if the accumulated wealth is not at risk (i.e. it’s accumulation is not bounded)</a:t>
+                  <a:t>Importantly, the equilibrium cannot exist if the accumulated wealth is not at risk (i.e. if its accumulation is not bounded)</a:t>
                 </a:r>
                 <a:endParaRPr lang="en-GB" dirty="0"/>
               </a:p>
@@ -18646,10 +19026,14 @@
               </p:nvPr>
             </p:nvSpPr>
             <p:spPr>
+              <a:xfrm>
+                <a:off x="800686" y="2471535"/>
+                <a:ext cx="7677150" cy="2289573"/>
+              </a:xfrm>
               <a:blipFill>
                 <a:blip r:embed="rId2"/>
                 <a:stretch>
-                  <a:fillRect l="-773"/>
+                  <a:fillRect l="-556"/>
                 </a:stretch>
               </a:blipFill>
             </p:spPr>
@@ -18703,6 +19087,36 @@
           </a:p>
         </p:txBody>
       </p:sp>
+      <p:pic>
+        <p:nvPicPr>
+          <p:cNvPr id="5" name="Picture 4">
+            <a:extLst>
+              <a:ext uri="{FF2B5EF4-FFF2-40B4-BE49-F238E27FC236}">
+                <a16:creationId xmlns:a16="http://schemas.microsoft.com/office/drawing/2014/main" id="{3656E585-549F-AF97-9824-39A24E11BA58}"/>
+              </a:ext>
+            </a:extLst>
+          </p:cNvPr>
+          <p:cNvPicPr>
+            <a:picLocks noChangeAspect="1"/>
+          </p:cNvPicPr>
+          <p:nvPr/>
+        </p:nvPicPr>
+        <p:blipFill>
+          <a:blip r:embed="rId3"/>
+          <a:stretch>
+            <a:fillRect/>
+          </a:stretch>
+        </p:blipFill>
+        <p:spPr>
+          <a:xfrm>
+            <a:off x="1600200" y="971550"/>
+            <a:ext cx="5598277" cy="1744109"/>
+          </a:xfrm>
+          <a:prstGeom prst="rect">
+            <a:avLst/>
+          </a:prstGeom>
+        </p:spPr>
+      </p:pic>
     </p:spTree>
     <p:extLst>
       <p:ext uri="{BB962C8B-B14F-4D97-AF65-F5344CB8AC3E}">
@@ -18845,8 +19259,8 @@
             </p:nvSpPr>
             <p:spPr>
               <a:xfrm>
-                <a:off x="628650" y="3717668"/>
-                <a:ext cx="7829550" cy="1323439"/>
+                <a:off x="628650" y="3562350"/>
+                <a:ext cx="7524750" cy="1655903"/>
               </a:xfrm>
               <a:prstGeom prst="rect">
                 <a:avLst/>
@@ -18929,7 +19343,7 @@
                 </a14:m>
                 <a:r>
                   <a:rPr lang="en-GB" dirty="0"/>
-                  <a:t> are the same in the long-run, the consumers balance promotion likelihood with accumulation of wealth. </a:t>
+                  <a:t> are the same in the long-run, the consumers balance promotion likelihood with accumulation of wealth which is set to disappear (at T=2 in the example)</a:t>
                 </a:r>
               </a:p>
               <a:p>
@@ -19036,8 +19450,108 @@
                 </a14:m>
                 <a:r>
                   <a:rPr lang="en-GB" dirty="0"/>
-                  <a:t> for the poorer consumer i.e. the consumers separate</a:t>
+                  <a:t> (for the poorer consumer) with </a:t>
                 </a:r>
+                <a14:m>
+                  <m:oMath xmlns:m="http://schemas.openxmlformats.org/officeDocument/2006/math">
+                    <m:sSub>
+                      <m:sSubPr>
+                        <m:ctrlPr>
+                          <a:rPr lang="en-US" i="1">
+                            <a:latin typeface="Cambria Math" panose="02040503050406030204" pitchFamily="18" charset="0"/>
+                          </a:rPr>
+                        </m:ctrlPr>
+                      </m:sSubPr>
+                      <m:e>
+                        <m:r>
+                          <a:rPr lang="en-US" i="1">
+                            <a:latin typeface="Cambria Math" panose="02040503050406030204" pitchFamily="18" charset="0"/>
+                          </a:rPr>
+                          <m:t>𝑊</m:t>
+                        </m:r>
+                      </m:e>
+                      <m:sub>
+                        <m:r>
+                          <a:rPr lang="en-US" i="1">
+                            <a:latin typeface="Cambria Math" panose="02040503050406030204" pitchFamily="18" charset="0"/>
+                          </a:rPr>
+                          <m:t>𝑗</m:t>
+                        </m:r>
+                      </m:sub>
+                    </m:sSub>
+                    <m:d>
+                      <m:dPr>
+                        <m:ctrlPr>
+                          <a:rPr lang="en-US" i="1">
+                            <a:latin typeface="Cambria Math" panose="02040503050406030204" pitchFamily="18" charset="0"/>
+                          </a:rPr>
+                        </m:ctrlPr>
+                      </m:dPr>
+                      <m:e>
+                        <m:r>
+                          <a:rPr lang="en-US" i="1">
+                            <a:latin typeface="Cambria Math" panose="02040503050406030204" pitchFamily="18" charset="0"/>
+                          </a:rPr>
+                          <m:t>𝜈</m:t>
+                        </m:r>
+                      </m:e>
+                    </m:d>
+                    <m:r>
+                      <a:rPr lang="en-US" i="1">
+                        <a:latin typeface="Cambria Math" panose="02040503050406030204" pitchFamily="18" charset="0"/>
+                      </a:rPr>
+                      <m:t>,</m:t>
+                    </m:r>
+                    <m:sSub>
+                      <m:sSubPr>
+                        <m:ctrlPr>
+                          <a:rPr lang="en-US" i="1">
+                            <a:latin typeface="Cambria Math" panose="02040503050406030204" pitchFamily="18" charset="0"/>
+                          </a:rPr>
+                        </m:ctrlPr>
+                      </m:sSubPr>
+                      <m:e>
+                        <m:r>
+                          <a:rPr lang="en-US" i="1">
+                            <a:latin typeface="Cambria Math" panose="02040503050406030204" pitchFamily="18" charset="0"/>
+                          </a:rPr>
+                          <m:t>𝐿</m:t>
+                        </m:r>
+                      </m:e>
+                      <m:sub>
+                        <m:r>
+                          <a:rPr lang="en-US" i="1">
+                            <a:latin typeface="Cambria Math" panose="02040503050406030204" pitchFamily="18" charset="0"/>
+                          </a:rPr>
+                          <m:t>𝑗</m:t>
+                        </m:r>
+                      </m:sub>
+                    </m:sSub>
+                    <m:r>
+                      <a:rPr lang="en-US" i="1">
+                        <a:latin typeface="Cambria Math" panose="02040503050406030204" pitchFamily="18" charset="0"/>
+                      </a:rPr>
+                      <m:t>(</m:t>
+                    </m:r>
+                    <m:r>
+                      <a:rPr lang="en-US" i="1">
+                        <a:latin typeface="Cambria Math" panose="02040503050406030204" pitchFamily="18" charset="0"/>
+                      </a:rPr>
+                      <m:t>𝜈</m:t>
+                    </m:r>
+                    <m:r>
+                      <a:rPr lang="en-US" i="1">
+                        <a:latin typeface="Cambria Math" panose="02040503050406030204" pitchFamily="18" charset="0"/>
+                      </a:rPr>
+                      <m:t>)</m:t>
+                    </m:r>
+                  </m:oMath>
+                </a14:m>
+                <a:r>
+                  <a:rPr lang="en-US" dirty="0"/>
+                  <a:t> subject to change.</a:t>
+                </a:r>
+                <a:endParaRPr lang="en-GB" dirty="0"/>
               </a:p>
             </p:txBody>
           </p:sp>
@@ -19059,8 +19573,8 @@
             </p:nvSpPr>
             <p:spPr>
               <a:xfrm>
-                <a:off x="628650" y="3717668"/>
-                <a:ext cx="7829550" cy="1323439"/>
+                <a:off x="628650" y="3562350"/>
+                <a:ext cx="7524750" cy="1655903"/>
               </a:xfrm>
               <a:prstGeom prst="rect">
                 <a:avLst/>
@@ -19068,7 +19582,7 @@
               <a:blipFill>
                 <a:blip r:embed="rId3"/>
                 <a:stretch>
-                  <a:fillRect l="-700" t="-2304" b="-7834"/>
+                  <a:fillRect l="-729" t="-1471" r="-1457" b="-4044"/>
                 </a:stretch>
               </a:blipFill>
             </p:spPr>
@@ -19178,13 +19692,17 @@
           <a:p>
             <a:r>
               <a:rPr lang="en-US" dirty="0"/>
-              <a:t>Rise in income differences don’t necessarily imply a higher incentive or “motivation” for success through status competitions</a:t>
+              <a:t>More specifically, a rise in income differences does not necessarily imply a higher incentive or “motivation” for success through status competitions in the long-term</a:t>
             </a:r>
           </a:p>
           <a:p>
             <a:r>
               <a:rPr lang="en-US" dirty="0"/>
-              <a:t>Unless the accumulated wealth is at risk, there are no incentives in the long-term for the poor to participate in status competitions that provide positive externality </a:t>
+              <a:t>Unless the accumulated wealth is at risk, there are no incentives in the long-term for the poor to participate in status competitions which provide promotions to the </a:t>
+            </a:r>
+            <a:r>
+              <a:rPr lang="en-US"/>
+              <a:t>poorer consumer</a:t>
             </a:r>
             <a:endParaRPr lang="en-GB" dirty="0"/>
           </a:p>
